--- a/presentations/Session_4_Advanced_Boot.pptx
+++ b/presentations/Session_4_Advanced_Boot.pptx
@@ -8,14 +8,20 @@
     <p:sldMasterId id="2147483724" r:id="rId4"/>
   </p:sldMasterIdLst>
   <p:notesMasterIdLst>
-    <p:notesMasterId r:id="rId7"/>
+    <p:notesMasterId r:id="rId13"/>
   </p:notesMasterIdLst>
   <p:handoutMasterIdLst>
-    <p:handoutMasterId r:id="rId8"/>
+    <p:handoutMasterId r:id="rId14"/>
   </p:handoutMasterIdLst>
   <p:sldIdLst>
     <p:sldId id="353" r:id="rId5"/>
-    <p:sldId id="259" r:id="rId6"/>
+    <p:sldId id="355" r:id="rId6"/>
+    <p:sldId id="356" r:id="rId7"/>
+    <p:sldId id="357" r:id="rId8"/>
+    <p:sldId id="359" r:id="rId9"/>
+    <p:sldId id="358" r:id="rId10"/>
+    <p:sldId id="360" r:id="rId11"/>
+    <p:sldId id="361" r:id="rId12"/>
   </p:sldIdLst>
   <p:sldSz cx="9144000" cy="5143500" type="screen16x9"/>
   <p:notesSz cx="6858000" cy="9144000"/>
@@ -120,7 +126,13 @@
         <p14:section name="Default Section" id="{53BEC9F5-E74A-0C43-AF9D-619E2F4BC018}">
           <p14:sldIdLst>
             <p14:sldId id="353"/>
-            <p14:sldId id="259"/>
+            <p14:sldId id="355"/>
+            <p14:sldId id="356"/>
+            <p14:sldId id="357"/>
+            <p14:sldId id="359"/>
+            <p14:sldId id="358"/>
+            <p14:sldId id="360"/>
+            <p14:sldId id="361"/>
           </p14:sldIdLst>
         </p14:section>
       </p14:sectionLst>
@@ -211,7 +223,7 @@
           <a:p>
             <a:fld id="{372E5B6B-8713-8747-AE5B-F1241B2BF5F0}" type="datetimeFigureOut">
               <a:rPr lang="en-US" smtClean="0"/>
-              <a:t>3/2/16</a:t>
+              <a:t>3/3/16</a:t>
             </a:fld>
             <a:endParaRPr lang="en-US"/>
           </a:p>
@@ -377,7 +389,7 @@
           <a:p>
             <a:fld id="{7E7B7340-DDD5-1B49-81AA-25BC4050C073}" type="datetimeFigureOut">
               <a:rPr lang="en-US" smtClean="0"/>
-              <a:t>3/2/16</a:t>
+              <a:t>3/3/16</a:t>
             </a:fld>
             <a:endParaRPr lang="en-US"/>
           </a:p>
@@ -767,7 +779,7 @@
         </p:nvSpPr>
         <p:spPr>
           <a:xfrm>
-            <a:off x="295171" y="2972430"/>
+            <a:off x="295171" y="2972431"/>
             <a:ext cx="6267659" cy="5793719"/>
           </a:xfrm>
           <a:prstGeom prst="rect">
@@ -775,11 +787,721 @@
           </a:prstGeom>
         </p:spPr>
         <p:txBody>
-          <a:bodyPr lIns="90556" tIns="90556" rIns="90556" bIns="90556" anchor="t" anchorCtr="0">
+          <a:bodyPr lIns="90548" tIns="90548" rIns="90548" bIns="90548" anchor="t" anchorCtr="0">
             <a:noAutofit/>
           </a:bodyPr>
           <a:lstStyle/>
           <a:p>
+            <a:endParaRPr dirty="0"/>
+          </a:p>
+        </p:txBody>
+      </p:sp>
+      <p:sp>
+        <p:nvSpPr>
+          <p:cNvPr id="199" name="Shape 199"/>
+          <p:cNvSpPr>
+            <a:spLocks noGrp="1" noRot="1" noChangeAspect="1"/>
+          </p:cNvSpPr>
+          <p:nvPr>
+            <p:ph type="sldImg" idx="2"/>
+          </p:nvPr>
+        </p:nvSpPr>
+        <p:spPr>
+          <a:xfrm>
+            <a:off x="1606550" y="685800"/>
+            <a:ext cx="3702050" cy="2082800"/>
+          </a:xfrm>
+          <a:custGeom>
+            <a:avLst/>
+            <a:gdLst/>
+            <a:ahLst/>
+            <a:cxnLst/>
+            <a:rect l="0" t="0" r="0" b="0"/>
+            <a:pathLst>
+              <a:path w="120000" h="120000" extrusionOk="0">
+                <a:moveTo>
+                  <a:pt x="0" y="0"/>
+                </a:moveTo>
+                <a:lnTo>
+                  <a:pt x="120000" y="0"/>
+                </a:lnTo>
+                <a:lnTo>
+                  <a:pt x="120000" y="120000"/>
+                </a:lnTo>
+                <a:lnTo>
+                  <a:pt x="0" y="120000"/>
+                </a:lnTo>
+                <a:close/>
+              </a:path>
+            </a:pathLst>
+          </a:custGeom>
+          <a:noFill/>
+          <a:ln w="9525" cap="flat" cmpd="sng">
+            <a:solidFill>
+              <a:srgbClr val="000000"/>
+            </a:solidFill>
+            <a:prstDash val="solid"/>
+            <a:round/>
+            <a:headEnd type="none" w="med" len="med"/>
+            <a:tailEnd type="none" w="med" len="med"/>
+          </a:ln>
+        </p:spPr>
+      </p:sp>
+    </p:spTree>
+  </p:cSld>
+  <p:clrMapOvr>
+    <a:masterClrMapping/>
+  </p:clrMapOvr>
+</p:notes>
+</file>
+
+<file path=ppt/notesSlides/notesSlide3.xml><?xml version="1.0" encoding="utf-8"?>
+<p:notes xmlns:a="http://schemas.openxmlformats.org/drawingml/2006/main" xmlns:r="http://schemas.openxmlformats.org/officeDocument/2006/relationships" xmlns:p="http://schemas.openxmlformats.org/presentationml/2006/main" showMasterSp="0" showMasterPhAnim="0">
+  <p:cSld>
+    <p:spTree>
+      <p:nvGrpSpPr>
+        <p:cNvPr id="1" name="Shape 197"/>
+        <p:cNvGrpSpPr/>
+        <p:nvPr/>
+      </p:nvGrpSpPr>
+      <p:grpSpPr>
+        <a:xfrm>
+          <a:off x="0" y="0"/>
+          <a:ext cx="0" cy="0"/>
+          <a:chOff x="0" y="0"/>
+          <a:chExt cx="0" cy="0"/>
+        </a:xfrm>
+      </p:grpSpPr>
+      <p:sp>
+        <p:nvSpPr>
+          <p:cNvPr id="198" name="Shape 198"/>
+          <p:cNvSpPr txBox="1">
+            <a:spLocks noGrp="1"/>
+          </p:cNvSpPr>
+          <p:nvPr>
+            <p:ph type="body" idx="1"/>
+          </p:nvPr>
+        </p:nvSpPr>
+        <p:spPr>
+          <a:xfrm>
+            <a:off x="295171" y="2972431"/>
+            <a:ext cx="6267659" cy="5793719"/>
+          </a:xfrm>
+          <a:prstGeom prst="rect">
+            <a:avLst/>
+          </a:prstGeom>
+        </p:spPr>
+        <p:txBody>
+          <a:bodyPr lIns="90548" tIns="90548" rIns="90548" bIns="90548" anchor="t" anchorCtr="0">
+            <a:noAutofit/>
+          </a:bodyPr>
+          <a:lstStyle/>
+          <a:p>
+            <a:endParaRPr dirty="0"/>
+          </a:p>
+        </p:txBody>
+      </p:sp>
+      <p:sp>
+        <p:nvSpPr>
+          <p:cNvPr id="199" name="Shape 199"/>
+          <p:cNvSpPr>
+            <a:spLocks noGrp="1" noRot="1" noChangeAspect="1"/>
+          </p:cNvSpPr>
+          <p:nvPr>
+            <p:ph type="sldImg" idx="2"/>
+          </p:nvPr>
+        </p:nvSpPr>
+        <p:spPr>
+          <a:xfrm>
+            <a:off x="1606550" y="685800"/>
+            <a:ext cx="3702050" cy="2082800"/>
+          </a:xfrm>
+          <a:custGeom>
+            <a:avLst/>
+            <a:gdLst/>
+            <a:ahLst/>
+            <a:cxnLst/>
+            <a:rect l="0" t="0" r="0" b="0"/>
+            <a:pathLst>
+              <a:path w="120000" h="120000" extrusionOk="0">
+                <a:moveTo>
+                  <a:pt x="0" y="0"/>
+                </a:moveTo>
+                <a:lnTo>
+                  <a:pt x="120000" y="0"/>
+                </a:lnTo>
+                <a:lnTo>
+                  <a:pt x="120000" y="120000"/>
+                </a:lnTo>
+                <a:lnTo>
+                  <a:pt x="0" y="120000"/>
+                </a:lnTo>
+                <a:close/>
+              </a:path>
+            </a:pathLst>
+          </a:custGeom>
+          <a:noFill/>
+          <a:ln w="9525" cap="flat" cmpd="sng">
+            <a:solidFill>
+              <a:srgbClr val="000000"/>
+            </a:solidFill>
+            <a:prstDash val="solid"/>
+            <a:round/>
+            <a:headEnd type="none" w="med" len="med"/>
+            <a:tailEnd type="none" w="med" len="med"/>
+          </a:ln>
+        </p:spPr>
+      </p:sp>
+    </p:spTree>
+  </p:cSld>
+  <p:clrMapOvr>
+    <a:masterClrMapping/>
+  </p:clrMapOvr>
+</p:notes>
+</file>
+
+<file path=ppt/notesSlides/notesSlide4.xml><?xml version="1.0" encoding="utf-8"?>
+<p:notes xmlns:a="http://schemas.openxmlformats.org/drawingml/2006/main" xmlns:r="http://schemas.openxmlformats.org/officeDocument/2006/relationships" xmlns:p="http://schemas.openxmlformats.org/presentationml/2006/main" showMasterSp="0" showMasterPhAnim="0">
+  <p:cSld>
+    <p:spTree>
+      <p:nvGrpSpPr>
+        <p:cNvPr id="1" name="Shape 197"/>
+        <p:cNvGrpSpPr/>
+        <p:nvPr/>
+      </p:nvGrpSpPr>
+      <p:grpSpPr>
+        <a:xfrm>
+          <a:off x="0" y="0"/>
+          <a:ext cx="0" cy="0"/>
+          <a:chOff x="0" y="0"/>
+          <a:chExt cx="0" cy="0"/>
+        </a:xfrm>
+      </p:grpSpPr>
+      <p:sp>
+        <p:nvSpPr>
+          <p:cNvPr id="198" name="Shape 198"/>
+          <p:cNvSpPr txBox="1">
+            <a:spLocks noGrp="1"/>
+          </p:cNvSpPr>
+          <p:nvPr>
+            <p:ph type="body" idx="1"/>
+          </p:nvPr>
+        </p:nvSpPr>
+        <p:spPr>
+          <a:xfrm>
+            <a:off x="295171" y="2972431"/>
+            <a:ext cx="6267659" cy="5793719"/>
+          </a:xfrm>
+          <a:prstGeom prst="rect">
+            <a:avLst/>
+          </a:prstGeom>
+        </p:spPr>
+        <p:txBody>
+          <a:bodyPr lIns="90548" tIns="90548" rIns="90548" bIns="90548" anchor="t" anchorCtr="0">
+            <a:noAutofit/>
+          </a:bodyPr>
+          <a:lstStyle/>
+          <a:p>
+            <a:r>
+              <a:rPr lang="en-US" dirty="0" smtClean="0"/>
+              <a:t>Maven</a:t>
+            </a:r>
+            <a:r>
+              <a:rPr lang="en-US" baseline="0" dirty="0" smtClean="0"/>
+              <a:t> is just one option. You can also use </a:t>
+            </a:r>
+            <a:r>
+              <a:rPr lang="en-US" baseline="0" dirty="0" err="1" smtClean="0"/>
+              <a:t>Gradle</a:t>
+            </a:r>
+            <a:r>
+              <a:rPr lang="en-US" baseline="0" dirty="0" smtClean="0"/>
+              <a:t> or Ant/Ivy</a:t>
+            </a:r>
+            <a:endParaRPr dirty="0"/>
+          </a:p>
+        </p:txBody>
+      </p:sp>
+      <p:sp>
+        <p:nvSpPr>
+          <p:cNvPr id="199" name="Shape 199"/>
+          <p:cNvSpPr>
+            <a:spLocks noGrp="1" noRot="1" noChangeAspect="1"/>
+          </p:cNvSpPr>
+          <p:nvPr>
+            <p:ph type="sldImg" idx="2"/>
+          </p:nvPr>
+        </p:nvSpPr>
+        <p:spPr>
+          <a:xfrm>
+            <a:off x="1606550" y="685800"/>
+            <a:ext cx="3702050" cy="2082800"/>
+          </a:xfrm>
+          <a:custGeom>
+            <a:avLst/>
+            <a:gdLst/>
+            <a:ahLst/>
+            <a:cxnLst/>
+            <a:rect l="0" t="0" r="0" b="0"/>
+            <a:pathLst>
+              <a:path w="120000" h="120000" extrusionOk="0">
+                <a:moveTo>
+                  <a:pt x="0" y="0"/>
+                </a:moveTo>
+                <a:lnTo>
+                  <a:pt x="120000" y="0"/>
+                </a:lnTo>
+                <a:lnTo>
+                  <a:pt x="120000" y="120000"/>
+                </a:lnTo>
+                <a:lnTo>
+                  <a:pt x="0" y="120000"/>
+                </a:lnTo>
+                <a:close/>
+              </a:path>
+            </a:pathLst>
+          </a:custGeom>
+          <a:noFill/>
+          <a:ln w="9525" cap="flat" cmpd="sng">
+            <a:solidFill>
+              <a:srgbClr val="000000"/>
+            </a:solidFill>
+            <a:prstDash val="solid"/>
+            <a:round/>
+            <a:headEnd type="none" w="med" len="med"/>
+            <a:tailEnd type="none" w="med" len="med"/>
+          </a:ln>
+        </p:spPr>
+      </p:sp>
+    </p:spTree>
+  </p:cSld>
+  <p:clrMapOvr>
+    <a:masterClrMapping/>
+  </p:clrMapOvr>
+</p:notes>
+</file>
+
+<file path=ppt/notesSlides/notesSlide5.xml><?xml version="1.0" encoding="utf-8"?>
+<p:notes xmlns:a="http://schemas.openxmlformats.org/drawingml/2006/main" xmlns:r="http://schemas.openxmlformats.org/officeDocument/2006/relationships" xmlns:p="http://schemas.openxmlformats.org/presentationml/2006/main" showMasterSp="0" showMasterPhAnim="0">
+  <p:cSld>
+    <p:spTree>
+      <p:nvGrpSpPr>
+        <p:cNvPr id="1" name="Shape 197"/>
+        <p:cNvGrpSpPr/>
+        <p:nvPr/>
+      </p:nvGrpSpPr>
+      <p:grpSpPr>
+        <a:xfrm>
+          <a:off x="0" y="0"/>
+          <a:ext cx="0" cy="0"/>
+          <a:chOff x="0" y="0"/>
+          <a:chExt cx="0" cy="0"/>
+        </a:xfrm>
+      </p:grpSpPr>
+      <p:sp>
+        <p:nvSpPr>
+          <p:cNvPr id="198" name="Shape 198"/>
+          <p:cNvSpPr txBox="1">
+            <a:spLocks noGrp="1"/>
+          </p:cNvSpPr>
+          <p:nvPr>
+            <p:ph type="body" idx="1"/>
+          </p:nvPr>
+        </p:nvSpPr>
+        <p:spPr>
+          <a:xfrm>
+            <a:off x="295171" y="2972431"/>
+            <a:ext cx="6267659" cy="5793719"/>
+          </a:xfrm>
+          <a:prstGeom prst="rect">
+            <a:avLst/>
+          </a:prstGeom>
+        </p:spPr>
+        <p:txBody>
+          <a:bodyPr lIns="90548" tIns="90548" rIns="90548" bIns="90548" anchor="t" anchorCtr="0">
+            <a:noAutofit/>
+          </a:bodyPr>
+          <a:lstStyle/>
+          <a:p>
+            <a:r>
+              <a:rPr lang="en-US" dirty="0" smtClean="0"/>
+              <a:t>Maven</a:t>
+            </a:r>
+            <a:r>
+              <a:rPr lang="en-US" baseline="0" dirty="0" smtClean="0"/>
+              <a:t> is just one option. You can also use </a:t>
+            </a:r>
+            <a:r>
+              <a:rPr lang="en-US" baseline="0" dirty="0" err="1" smtClean="0"/>
+              <a:t>Gradle</a:t>
+            </a:r>
+            <a:r>
+              <a:rPr lang="en-US" baseline="0" dirty="0" smtClean="0"/>
+              <a:t> or Ant/Ivy</a:t>
+            </a:r>
+            <a:endParaRPr dirty="0"/>
+          </a:p>
+        </p:txBody>
+      </p:sp>
+      <p:sp>
+        <p:nvSpPr>
+          <p:cNvPr id="199" name="Shape 199"/>
+          <p:cNvSpPr>
+            <a:spLocks noGrp="1" noRot="1" noChangeAspect="1"/>
+          </p:cNvSpPr>
+          <p:nvPr>
+            <p:ph type="sldImg" idx="2"/>
+          </p:nvPr>
+        </p:nvSpPr>
+        <p:spPr>
+          <a:xfrm>
+            <a:off x="1606550" y="685800"/>
+            <a:ext cx="3702050" cy="2082800"/>
+          </a:xfrm>
+          <a:custGeom>
+            <a:avLst/>
+            <a:gdLst/>
+            <a:ahLst/>
+            <a:cxnLst/>
+            <a:rect l="0" t="0" r="0" b="0"/>
+            <a:pathLst>
+              <a:path w="120000" h="120000" extrusionOk="0">
+                <a:moveTo>
+                  <a:pt x="0" y="0"/>
+                </a:moveTo>
+                <a:lnTo>
+                  <a:pt x="120000" y="0"/>
+                </a:lnTo>
+                <a:lnTo>
+                  <a:pt x="120000" y="120000"/>
+                </a:lnTo>
+                <a:lnTo>
+                  <a:pt x="0" y="120000"/>
+                </a:lnTo>
+                <a:close/>
+              </a:path>
+            </a:pathLst>
+          </a:custGeom>
+          <a:noFill/>
+          <a:ln w="9525" cap="flat" cmpd="sng">
+            <a:solidFill>
+              <a:srgbClr val="000000"/>
+            </a:solidFill>
+            <a:prstDash val="solid"/>
+            <a:round/>
+            <a:headEnd type="none" w="med" len="med"/>
+            <a:tailEnd type="none" w="med" len="med"/>
+          </a:ln>
+        </p:spPr>
+      </p:sp>
+    </p:spTree>
+  </p:cSld>
+  <p:clrMapOvr>
+    <a:masterClrMapping/>
+  </p:clrMapOvr>
+</p:notes>
+</file>
+
+<file path=ppt/notesSlides/notesSlide6.xml><?xml version="1.0" encoding="utf-8"?>
+<p:notes xmlns:a="http://schemas.openxmlformats.org/drawingml/2006/main" xmlns:r="http://schemas.openxmlformats.org/officeDocument/2006/relationships" xmlns:p="http://schemas.openxmlformats.org/presentationml/2006/main" showMasterSp="0" showMasterPhAnim="0">
+  <p:cSld>
+    <p:spTree>
+      <p:nvGrpSpPr>
+        <p:cNvPr id="1" name="Shape 197"/>
+        <p:cNvGrpSpPr/>
+        <p:nvPr/>
+      </p:nvGrpSpPr>
+      <p:grpSpPr>
+        <a:xfrm>
+          <a:off x="0" y="0"/>
+          <a:ext cx="0" cy="0"/>
+          <a:chOff x="0" y="0"/>
+          <a:chExt cx="0" cy="0"/>
+        </a:xfrm>
+      </p:grpSpPr>
+      <p:sp>
+        <p:nvSpPr>
+          <p:cNvPr id="198" name="Shape 198"/>
+          <p:cNvSpPr txBox="1">
+            <a:spLocks noGrp="1"/>
+          </p:cNvSpPr>
+          <p:nvPr>
+            <p:ph type="body" idx="1"/>
+          </p:nvPr>
+        </p:nvSpPr>
+        <p:spPr>
+          <a:xfrm>
+            <a:off x="295171" y="2972431"/>
+            <a:ext cx="6267659" cy="5793719"/>
+          </a:xfrm>
+          <a:prstGeom prst="rect">
+            <a:avLst/>
+          </a:prstGeom>
+        </p:spPr>
+        <p:txBody>
+          <a:bodyPr lIns="90548" tIns="90548" rIns="90548" bIns="90548" anchor="t" anchorCtr="0">
+            <a:noAutofit/>
+          </a:bodyPr>
+          <a:lstStyle/>
+          <a:p>
+            <a:r>
+              <a:rPr lang="en-US" dirty="0" smtClean="0"/>
+              <a:t>Maven</a:t>
+            </a:r>
+            <a:r>
+              <a:rPr lang="en-US" baseline="0" dirty="0" smtClean="0"/>
+              <a:t> is just one option. You can also use </a:t>
+            </a:r>
+            <a:r>
+              <a:rPr lang="en-US" baseline="0" dirty="0" err="1" smtClean="0"/>
+              <a:t>Gradle</a:t>
+            </a:r>
+            <a:r>
+              <a:rPr lang="en-US" baseline="0" dirty="0" smtClean="0"/>
+              <a:t> or Ant/Ivy</a:t>
+            </a:r>
+            <a:endParaRPr dirty="0"/>
+          </a:p>
+        </p:txBody>
+      </p:sp>
+      <p:sp>
+        <p:nvSpPr>
+          <p:cNvPr id="199" name="Shape 199"/>
+          <p:cNvSpPr>
+            <a:spLocks noGrp="1" noRot="1" noChangeAspect="1"/>
+          </p:cNvSpPr>
+          <p:nvPr>
+            <p:ph type="sldImg" idx="2"/>
+          </p:nvPr>
+        </p:nvSpPr>
+        <p:spPr>
+          <a:xfrm>
+            <a:off x="1606550" y="685800"/>
+            <a:ext cx="3702050" cy="2082800"/>
+          </a:xfrm>
+          <a:custGeom>
+            <a:avLst/>
+            <a:gdLst/>
+            <a:ahLst/>
+            <a:cxnLst/>
+            <a:rect l="0" t="0" r="0" b="0"/>
+            <a:pathLst>
+              <a:path w="120000" h="120000" extrusionOk="0">
+                <a:moveTo>
+                  <a:pt x="0" y="0"/>
+                </a:moveTo>
+                <a:lnTo>
+                  <a:pt x="120000" y="0"/>
+                </a:lnTo>
+                <a:lnTo>
+                  <a:pt x="120000" y="120000"/>
+                </a:lnTo>
+                <a:lnTo>
+                  <a:pt x="0" y="120000"/>
+                </a:lnTo>
+                <a:close/>
+              </a:path>
+            </a:pathLst>
+          </a:custGeom>
+          <a:noFill/>
+          <a:ln w="9525" cap="flat" cmpd="sng">
+            <a:solidFill>
+              <a:srgbClr val="000000"/>
+            </a:solidFill>
+            <a:prstDash val="solid"/>
+            <a:round/>
+            <a:headEnd type="none" w="med" len="med"/>
+            <a:tailEnd type="none" w="med" len="med"/>
+          </a:ln>
+        </p:spPr>
+      </p:sp>
+    </p:spTree>
+  </p:cSld>
+  <p:clrMapOvr>
+    <a:masterClrMapping/>
+  </p:clrMapOvr>
+</p:notes>
+</file>
+
+<file path=ppt/notesSlides/notesSlide7.xml><?xml version="1.0" encoding="utf-8"?>
+<p:notes xmlns:a="http://schemas.openxmlformats.org/drawingml/2006/main" xmlns:r="http://schemas.openxmlformats.org/officeDocument/2006/relationships" xmlns:p="http://schemas.openxmlformats.org/presentationml/2006/main" showMasterSp="0" showMasterPhAnim="0">
+  <p:cSld>
+    <p:spTree>
+      <p:nvGrpSpPr>
+        <p:cNvPr id="1" name="Shape 197"/>
+        <p:cNvGrpSpPr/>
+        <p:nvPr/>
+      </p:nvGrpSpPr>
+      <p:grpSpPr>
+        <a:xfrm>
+          <a:off x="0" y="0"/>
+          <a:ext cx="0" cy="0"/>
+          <a:chOff x="0" y="0"/>
+          <a:chExt cx="0" cy="0"/>
+        </a:xfrm>
+      </p:grpSpPr>
+      <p:sp>
+        <p:nvSpPr>
+          <p:cNvPr id="198" name="Shape 198"/>
+          <p:cNvSpPr txBox="1">
+            <a:spLocks noGrp="1"/>
+          </p:cNvSpPr>
+          <p:nvPr>
+            <p:ph type="body" idx="1"/>
+          </p:nvPr>
+        </p:nvSpPr>
+        <p:spPr>
+          <a:xfrm>
+            <a:off x="295171" y="2972431"/>
+            <a:ext cx="6267659" cy="5793719"/>
+          </a:xfrm>
+          <a:prstGeom prst="rect">
+            <a:avLst/>
+          </a:prstGeom>
+        </p:spPr>
+        <p:txBody>
+          <a:bodyPr lIns="90548" tIns="90548" rIns="90548" bIns="90548" anchor="t" anchorCtr="0">
+            <a:noAutofit/>
+          </a:bodyPr>
+          <a:lstStyle/>
+          <a:p>
+            <a:r>
+              <a:rPr lang="en-US" dirty="0" smtClean="0"/>
+              <a:t>Maven</a:t>
+            </a:r>
+            <a:r>
+              <a:rPr lang="en-US" baseline="0" dirty="0" smtClean="0"/>
+              <a:t> is just one option. You can also use </a:t>
+            </a:r>
+            <a:r>
+              <a:rPr lang="en-US" baseline="0" dirty="0" err="1" smtClean="0"/>
+              <a:t>Gradle</a:t>
+            </a:r>
+            <a:r>
+              <a:rPr lang="en-US" baseline="0" dirty="0" smtClean="0"/>
+              <a:t> or Ant/Ivy</a:t>
+            </a:r>
+            <a:endParaRPr dirty="0"/>
+          </a:p>
+        </p:txBody>
+      </p:sp>
+      <p:sp>
+        <p:nvSpPr>
+          <p:cNvPr id="199" name="Shape 199"/>
+          <p:cNvSpPr>
+            <a:spLocks noGrp="1" noRot="1" noChangeAspect="1"/>
+          </p:cNvSpPr>
+          <p:nvPr>
+            <p:ph type="sldImg" idx="2"/>
+          </p:nvPr>
+        </p:nvSpPr>
+        <p:spPr>
+          <a:xfrm>
+            <a:off x="1606550" y="685800"/>
+            <a:ext cx="3702050" cy="2082800"/>
+          </a:xfrm>
+          <a:custGeom>
+            <a:avLst/>
+            <a:gdLst/>
+            <a:ahLst/>
+            <a:cxnLst/>
+            <a:rect l="0" t="0" r="0" b="0"/>
+            <a:pathLst>
+              <a:path w="120000" h="120000" extrusionOk="0">
+                <a:moveTo>
+                  <a:pt x="0" y="0"/>
+                </a:moveTo>
+                <a:lnTo>
+                  <a:pt x="120000" y="0"/>
+                </a:lnTo>
+                <a:lnTo>
+                  <a:pt x="120000" y="120000"/>
+                </a:lnTo>
+                <a:lnTo>
+                  <a:pt x="0" y="120000"/>
+                </a:lnTo>
+                <a:close/>
+              </a:path>
+            </a:pathLst>
+          </a:custGeom>
+          <a:noFill/>
+          <a:ln w="9525" cap="flat" cmpd="sng">
+            <a:solidFill>
+              <a:srgbClr val="000000"/>
+            </a:solidFill>
+            <a:prstDash val="solid"/>
+            <a:round/>
+            <a:headEnd type="none" w="med" len="med"/>
+            <a:tailEnd type="none" w="med" len="med"/>
+          </a:ln>
+        </p:spPr>
+      </p:sp>
+    </p:spTree>
+  </p:cSld>
+  <p:clrMapOvr>
+    <a:masterClrMapping/>
+  </p:clrMapOvr>
+</p:notes>
+</file>
+
+<file path=ppt/notesSlides/notesSlide8.xml><?xml version="1.0" encoding="utf-8"?>
+<p:notes xmlns:a="http://schemas.openxmlformats.org/drawingml/2006/main" xmlns:r="http://schemas.openxmlformats.org/officeDocument/2006/relationships" xmlns:p="http://schemas.openxmlformats.org/presentationml/2006/main" showMasterSp="0" showMasterPhAnim="0">
+  <p:cSld>
+    <p:spTree>
+      <p:nvGrpSpPr>
+        <p:cNvPr id="1" name="Shape 197"/>
+        <p:cNvGrpSpPr/>
+        <p:nvPr/>
+      </p:nvGrpSpPr>
+      <p:grpSpPr>
+        <a:xfrm>
+          <a:off x="0" y="0"/>
+          <a:ext cx="0" cy="0"/>
+          <a:chOff x="0" y="0"/>
+          <a:chExt cx="0" cy="0"/>
+        </a:xfrm>
+      </p:grpSpPr>
+      <p:sp>
+        <p:nvSpPr>
+          <p:cNvPr id="198" name="Shape 198"/>
+          <p:cNvSpPr txBox="1">
+            <a:spLocks noGrp="1"/>
+          </p:cNvSpPr>
+          <p:nvPr>
+            <p:ph type="body" idx="1"/>
+          </p:nvPr>
+        </p:nvSpPr>
+        <p:spPr>
+          <a:xfrm>
+            <a:off x="295171" y="2972431"/>
+            <a:ext cx="6267659" cy="5793719"/>
+          </a:xfrm>
+          <a:prstGeom prst="rect">
+            <a:avLst/>
+          </a:prstGeom>
+        </p:spPr>
+        <p:txBody>
+          <a:bodyPr lIns="90548" tIns="90548" rIns="90548" bIns="90548" anchor="t" anchorCtr="0">
+            <a:noAutofit/>
+          </a:bodyPr>
+          <a:lstStyle/>
+          <a:p>
+            <a:r>
+              <a:rPr lang="en-US" dirty="0" smtClean="0"/>
+              <a:t>Maven</a:t>
+            </a:r>
+            <a:r>
+              <a:rPr lang="en-US" baseline="0" dirty="0" smtClean="0"/>
+              <a:t> is just one option. You can also use </a:t>
+            </a:r>
+            <a:r>
+              <a:rPr lang="en-US" baseline="0" dirty="0" err="1" smtClean="0"/>
+              <a:t>Gradle</a:t>
+            </a:r>
+            <a:r>
+              <a:rPr lang="en-US" baseline="0" dirty="0" smtClean="0"/>
+              <a:t> or Ant/Ivy</a:t>
+            </a:r>
             <a:endParaRPr dirty="0"/>
           </a:p>
         </p:txBody>
@@ -7072,15 +7794,15 @@
           <a:p>
             <a:pPr lvl="0"/>
             <a:r>
-              <a:rPr lang="en-US" sz="3200" b="0" smtClean="0">
+              <a:rPr lang="en-US" sz="3600" dirty="0" smtClean="0">
                 <a:solidFill>
                   <a:schemeClr val="accent1"/>
                 </a:solidFill>
                 <a:sym typeface="Arial"/>
               </a:rPr>
-              <a:t>Workshop Agenda</a:t>
-            </a:r>
-            <a:endParaRPr lang="en-US" sz="3200" b="0" dirty="0">
+              <a:t>Topics in this Session</a:t>
+            </a:r>
+            <a:endParaRPr lang="en-US" sz="3600" dirty="0">
               <a:solidFill>
                 <a:schemeClr val="accent1"/>
               </a:solidFill>
@@ -7096,7 +7818,7 @@
             <a:spLocks noGrp="1"/>
           </p:cNvSpPr>
           <p:nvPr>
-            <p:ph type="body" sz="quarter" idx="13"/>
+            <p:ph type="body" sz="quarter" idx="4294967295"/>
           </p:nvPr>
         </p:nvSpPr>
         <p:spPr>
@@ -7104,100 +7826,3032 @@
             <a:off x="431800" y="624362"/>
             <a:ext cx="8551408" cy="3848609"/>
           </a:xfrm>
+          <a:prstGeom prst="rect">
+            <a:avLst/>
+          </a:prstGeom>
         </p:spPr>
         <p:txBody>
           <a:bodyPr/>
           <a:lstStyle/>
           <a:p>
-            <a:pPr marL="514350" lvl="0" indent="-514350">
+            <a:pPr marL="0" lvl="0" indent="0">
               <a:buClr>
                 <a:srgbClr val="008774"/>
               </a:buClr>
-              <a:buFont typeface="+mj-lt"/>
-              <a:buAutoNum type="arabicPeriod"/>
+              <a:buNone/>
             </a:pPr>
             <a:endParaRPr lang="en-US" sz="2800" dirty="0" smtClean="0">
               <a:solidFill>
-                <a:schemeClr val="accent6"/>
+                <a:srgbClr val="EEECE1"/>
               </a:solidFill>
               <a:sym typeface="Arial"/>
             </a:endParaRPr>
           </a:p>
           <a:p>
-            <a:pPr marL="514350" lvl="0" indent="-514350">
+            <a:pPr>
               <a:buClr>
                 <a:srgbClr val="008774"/>
               </a:buClr>
-              <a:buFont typeface="+mj-lt"/>
-              <a:buAutoNum type="arabicPeriod"/>
             </a:pPr>
             <a:r>
-              <a:rPr lang="en-US" sz="2800" dirty="0" smtClean="0">
+              <a:rPr lang="en-US" sz="2800" b="1" dirty="0" smtClean="0">
                 <a:solidFill>
                   <a:schemeClr val="accent6"/>
                 </a:solidFill>
                 <a:sym typeface="Arial"/>
               </a:rPr>
-              <a:t>TBD</a:t>
-            </a:r>
-          </a:p>
-          <a:p>
-            <a:pPr marL="514350" lvl="0" indent="-514350">
+              <a:t>Getting Started &amp; Endpoints</a:t>
+            </a:r>
+          </a:p>
+          <a:p>
+            <a:pPr>
               <a:buClr>
                 <a:srgbClr val="008774"/>
               </a:buClr>
-              <a:buFont typeface="+mj-lt"/>
-              <a:buAutoNum type="arabicPeriod"/>
             </a:pPr>
             <a:r>
               <a:rPr lang="en-US" sz="2800" dirty="0" smtClean="0">
                 <a:solidFill>
-                  <a:schemeClr val="accent6"/>
+                  <a:srgbClr val="EEECE1"/>
                 </a:solidFill>
                 <a:sym typeface="Arial"/>
               </a:rPr>
-              <a:t>TBD</a:t>
-            </a:r>
-          </a:p>
-          <a:p>
-            <a:pPr marL="514350" lvl="0" indent="-514350">
+              <a:t>Health Indicators</a:t>
+            </a:r>
+          </a:p>
+          <a:p>
+            <a:pPr>
               <a:buClr>
                 <a:srgbClr val="008774"/>
               </a:buClr>
-              <a:buFont typeface="+mj-lt"/>
-              <a:buAutoNum type="arabicPeriod"/>
             </a:pPr>
             <a:r>
               <a:rPr lang="en-US" sz="2800" dirty="0" smtClean="0">
                 <a:solidFill>
-                  <a:schemeClr val="accent6"/>
+                  <a:srgbClr val="EEECE1"/>
                 </a:solidFill>
                 <a:sym typeface="Arial"/>
               </a:rPr>
-              <a:t>TBD</a:t>
-            </a:r>
-            <a:endParaRPr lang="en-US" sz="2800" dirty="0">
+              <a:t>HTTP Access</a:t>
+            </a:r>
+          </a:p>
+          <a:p>
+            <a:pPr>
+              <a:buClr>
+                <a:srgbClr val="008774"/>
+              </a:buClr>
+            </a:pPr>
+            <a:r>
+              <a:rPr lang="en-US" sz="2800" dirty="0" smtClean="0">
+                <a:solidFill>
+                  <a:srgbClr val="EEECE1"/>
+                </a:solidFill>
+                <a:sym typeface="Arial"/>
+              </a:rPr>
+              <a:t>Metrics</a:t>
+            </a:r>
+          </a:p>
+          <a:p>
+            <a:pPr>
+              <a:buClr>
+                <a:srgbClr val="008774"/>
+              </a:buClr>
+            </a:pPr>
+            <a:r>
+              <a:rPr lang="en-US" sz="2800" dirty="0" smtClean="0">
+                <a:solidFill>
+                  <a:srgbClr val="EEECE1"/>
+                </a:solidFill>
+                <a:sym typeface="Arial"/>
+              </a:rPr>
+              <a:t>Profiles</a:t>
+            </a:r>
+            <a:endParaRPr lang="en-US" sz="2800" dirty="0" smtClean="0">
               <a:solidFill>
-                <a:schemeClr val="accent6"/>
+                <a:srgbClr val="EEECE1"/>
               </a:solidFill>
               <a:sym typeface="Arial"/>
             </a:endParaRPr>
+          </a:p>
+        </p:txBody>
+      </p:sp>
+      <p:sp>
+        <p:nvSpPr>
+          <p:cNvPr id="3" name="TextBox 2"/>
+          <p:cNvSpPr txBox="1"/>
+          <p:nvPr/>
+        </p:nvSpPr>
+        <p:spPr>
+          <a:xfrm>
+            <a:off x="8370455" y="4906818"/>
+            <a:ext cx="184666" cy="369332"/>
+          </a:xfrm>
+          <a:prstGeom prst="rect">
+            <a:avLst/>
+          </a:prstGeom>
+          <a:noFill/>
+        </p:spPr>
+        <p:txBody>
+          <a:bodyPr wrap="none" rtlCol="0">
+            <a:spAutoFit/>
+          </a:bodyPr>
+          <a:lstStyle/>
+          <a:p>
+            <a:endParaRPr lang="en-US" dirty="0"/>
           </a:p>
         </p:txBody>
       </p:sp>
     </p:spTree>
     <p:extLst>
       <p:ext uri="{BB962C8B-B14F-4D97-AF65-F5344CB8AC3E}">
-        <p14:creationId xmlns:p14="http://schemas.microsoft.com/office/powerpoint/2010/main" val="2019503117"/>
+        <p14:creationId xmlns:p14="http://schemas.microsoft.com/office/powerpoint/2010/main" val="2195733766"/>
       </p:ext>
     </p:extLst>
   </p:cSld>
   <p:clrMapOvr>
     <a:masterClrMapping/>
   </p:clrMapOvr>
-  <p:transition xmlns:p14="http://schemas.microsoft.com/office/powerpoint/2010/main">
-    <p:fade/>
-  </p:transition>
+  <mc:AlternateContent xmlns:mc="http://schemas.openxmlformats.org/markup-compatibility/2006" xmlns:p14="http://schemas.microsoft.com/office/powerpoint/2010/main">
+    <mc:Choice Requires="p14">
+      <p:transition p14:dur="0"/>
+    </mc:Choice>
+    <mc:Fallback xmlns="">
+      <p:transition xmlns:p14="http://schemas.microsoft.com/office/powerpoint/2010/main"/>
+    </mc:Fallback>
+  </mc:AlternateContent>
+  <p:timing>
+    <p:tnLst>
+      <p:par>
+        <p:cTn xmlns:p14="http://schemas.microsoft.com/office/powerpoint/2010/main" id="1" dur="indefinite" restart="never" nodeType="tmRoot"/>
+      </p:par>
+    </p:tnLst>
+  </p:timing>
+</p:sld>
+</file>
+
+<file path=ppt/slides/slide3.xml><?xml version="1.0" encoding="utf-8"?>
+<p:sld xmlns:a="http://schemas.openxmlformats.org/drawingml/2006/main" xmlns:r="http://schemas.openxmlformats.org/officeDocument/2006/relationships" xmlns:p="http://schemas.openxmlformats.org/presentationml/2006/main">
+  <p:cSld>
+    <p:spTree>
+      <p:nvGrpSpPr>
+        <p:cNvPr id="1" name="Shape 194"/>
+        <p:cNvGrpSpPr/>
+        <p:nvPr/>
+      </p:nvGrpSpPr>
+      <p:grpSpPr>
+        <a:xfrm>
+          <a:off x="0" y="0"/>
+          <a:ext cx="0" cy="0"/>
+          <a:chOff x="0" y="0"/>
+          <a:chExt cx="0" cy="0"/>
+        </a:xfrm>
+      </p:grpSpPr>
+      <p:sp>
+        <p:nvSpPr>
+          <p:cNvPr id="195" name="Shape 195"/>
+          <p:cNvSpPr txBox="1">
+            <a:spLocks noGrp="1"/>
+          </p:cNvSpPr>
+          <p:nvPr>
+            <p:ph type="title"/>
+          </p:nvPr>
+        </p:nvSpPr>
+        <p:spPr/>
+        <p:txBody>
+          <a:bodyPr/>
+          <a:lstStyle/>
+          <a:p>
+            <a:pPr lvl="0"/>
+            <a:r>
+              <a:rPr lang="en-US" sz="3600" dirty="0" smtClean="0">
+                <a:solidFill>
+                  <a:schemeClr val="accent1"/>
+                </a:solidFill>
+                <a:sym typeface="Arial"/>
+              </a:rPr>
+              <a:t>Overview</a:t>
+            </a:r>
+            <a:endParaRPr lang="en-US" sz="3600" dirty="0">
+              <a:solidFill>
+                <a:schemeClr val="accent1"/>
+              </a:solidFill>
+              <a:sym typeface="Arial"/>
+            </a:endParaRPr>
+          </a:p>
+        </p:txBody>
+      </p:sp>
+      <p:sp>
+        <p:nvSpPr>
+          <p:cNvPr id="196" name="Shape 196"/>
+          <p:cNvSpPr txBox="1">
+            <a:spLocks noGrp="1"/>
+          </p:cNvSpPr>
+          <p:nvPr>
+            <p:ph type="body" sz="quarter" idx="4294967295"/>
+          </p:nvPr>
+        </p:nvSpPr>
+        <p:spPr>
+          <a:xfrm>
+            <a:off x="431800" y="624362"/>
+            <a:ext cx="8551408" cy="3848609"/>
+          </a:xfrm>
+          <a:prstGeom prst="rect">
+            <a:avLst/>
+          </a:prstGeom>
+        </p:spPr>
+        <p:txBody>
+          <a:bodyPr/>
+          <a:lstStyle/>
+          <a:p>
+            <a:pPr marL="0" lvl="0" indent="0">
+              <a:buClr>
+                <a:srgbClr val="008774"/>
+              </a:buClr>
+              <a:buNone/>
+            </a:pPr>
+            <a:endParaRPr lang="en-US" sz="2800" dirty="0" smtClean="0">
+              <a:solidFill>
+                <a:schemeClr val="bg2"/>
+              </a:solidFill>
+              <a:sym typeface="Arial"/>
+            </a:endParaRPr>
+          </a:p>
+          <a:p>
+            <a:pPr>
+              <a:buClr>
+                <a:srgbClr val="008774"/>
+              </a:buClr>
+            </a:pPr>
+            <a:r>
+              <a:rPr lang="en-US" sz="2400" dirty="0" smtClean="0">
+                <a:solidFill>
+                  <a:schemeClr val="bg2"/>
+                </a:solidFill>
+                <a:sym typeface="Arial"/>
+              </a:rPr>
+              <a:t>Enable out-of-the-box Production-Ready features in Spring Apps</a:t>
+            </a:r>
+          </a:p>
+          <a:p>
+            <a:pPr>
+              <a:buClr>
+                <a:srgbClr val="008774"/>
+              </a:buClr>
+            </a:pPr>
+            <a:r>
+              <a:rPr lang="en-US" sz="2400" dirty="0" smtClean="0">
+                <a:solidFill>
+                  <a:schemeClr val="bg2"/>
+                </a:solidFill>
+                <a:sym typeface="Arial"/>
+              </a:rPr>
+              <a:t>Run-time Inspection of Configuration Details</a:t>
+            </a:r>
+          </a:p>
+          <a:p>
+            <a:pPr lvl="1">
+              <a:buClr>
+                <a:srgbClr val="008774"/>
+              </a:buClr>
+            </a:pPr>
+            <a:r>
+              <a:rPr lang="en-US" sz="1600" dirty="0" smtClean="0">
+                <a:solidFill>
+                  <a:schemeClr val="bg2"/>
+                </a:solidFill>
+                <a:sym typeface="Arial"/>
+              </a:rPr>
+              <a:t>Beans, Environment, Auto-Configuration, </a:t>
+            </a:r>
+            <a:r>
+              <a:rPr lang="en-US" sz="1600" dirty="0" err="1" smtClean="0">
+                <a:solidFill>
+                  <a:schemeClr val="bg2"/>
+                </a:solidFill>
+                <a:sym typeface="Arial"/>
+              </a:rPr>
+              <a:t>Config</a:t>
+            </a:r>
+            <a:r>
+              <a:rPr lang="en-US" sz="1600" dirty="0" smtClean="0">
+                <a:solidFill>
+                  <a:schemeClr val="bg2"/>
+                </a:solidFill>
+                <a:sym typeface="Arial"/>
+              </a:rPr>
+              <a:t> Properties</a:t>
+            </a:r>
+          </a:p>
+          <a:p>
+            <a:pPr>
+              <a:buClr>
+                <a:srgbClr val="008774"/>
+              </a:buClr>
+            </a:pPr>
+            <a:r>
+              <a:rPr lang="en-US" sz="2000" dirty="0" smtClean="0">
+                <a:solidFill>
+                  <a:schemeClr val="bg2"/>
+                </a:solidFill>
+                <a:sym typeface="Arial"/>
+              </a:rPr>
+              <a:t>Monitor Application Status &amp; </a:t>
+            </a:r>
+            <a:r>
+              <a:rPr lang="en-US" sz="2000" dirty="0" smtClean="0">
+                <a:solidFill>
+                  <a:schemeClr val="bg2"/>
+                </a:solidFill>
+                <a:sym typeface="Arial"/>
+              </a:rPr>
+              <a:t>Behavior</a:t>
+            </a:r>
+            <a:endParaRPr lang="en-US" sz="2000" dirty="0" smtClean="0">
+              <a:solidFill>
+                <a:schemeClr val="bg2"/>
+              </a:solidFill>
+              <a:sym typeface="Arial"/>
+            </a:endParaRPr>
+          </a:p>
+          <a:p>
+            <a:pPr lvl="1">
+              <a:buClr>
+                <a:srgbClr val="008774"/>
+              </a:buClr>
+            </a:pPr>
+            <a:r>
+              <a:rPr lang="en-US" sz="1600" dirty="0" smtClean="0">
+                <a:solidFill>
+                  <a:schemeClr val="bg2"/>
+                </a:solidFill>
+                <a:sym typeface="Arial"/>
+              </a:rPr>
+              <a:t>Health Checks, Metrics</a:t>
+            </a:r>
+          </a:p>
+          <a:p>
+            <a:pPr>
+              <a:buClr>
+                <a:srgbClr val="008774"/>
+              </a:buClr>
+            </a:pPr>
+            <a:r>
+              <a:rPr lang="en-US" sz="2000" dirty="0" smtClean="0">
+                <a:solidFill>
+                  <a:schemeClr val="bg2"/>
+                </a:solidFill>
+                <a:sym typeface="Arial"/>
+              </a:rPr>
+              <a:t>Simple Instrumentation</a:t>
+            </a:r>
+          </a:p>
+          <a:p>
+            <a:pPr lvl="1">
+              <a:buClr>
+                <a:srgbClr val="008774"/>
+              </a:buClr>
+            </a:pPr>
+            <a:r>
+              <a:rPr lang="en-US" sz="1600" dirty="0" smtClean="0">
+                <a:solidFill>
+                  <a:schemeClr val="bg2"/>
+                </a:solidFill>
+                <a:sym typeface="Arial"/>
+              </a:rPr>
+              <a:t>Graceful Shutdown</a:t>
+            </a:r>
+          </a:p>
+          <a:p>
+            <a:pPr>
+              <a:buClr>
+                <a:srgbClr val="008774"/>
+              </a:buClr>
+            </a:pPr>
+            <a:r>
+              <a:rPr lang="en-US" sz="2000" dirty="0" smtClean="0">
+                <a:solidFill>
+                  <a:schemeClr val="bg2"/>
+                </a:solidFill>
+                <a:sym typeface="Arial"/>
+              </a:rPr>
+              <a:t>Several Endpoint/Access-Point Types</a:t>
+            </a:r>
+          </a:p>
+          <a:p>
+            <a:pPr lvl="1">
+              <a:buClr>
+                <a:srgbClr val="008774"/>
+              </a:buClr>
+            </a:pPr>
+            <a:r>
+              <a:rPr lang="en-US" sz="1600" dirty="0" smtClean="0">
+                <a:solidFill>
+                  <a:schemeClr val="bg2"/>
+                </a:solidFill>
+                <a:sym typeface="Arial"/>
+              </a:rPr>
+              <a:t>HTTP</a:t>
+            </a:r>
+          </a:p>
+          <a:p>
+            <a:pPr lvl="1">
+              <a:buClr>
+                <a:srgbClr val="008774"/>
+              </a:buClr>
+            </a:pPr>
+            <a:r>
+              <a:rPr lang="en-US" sz="1600" dirty="0" smtClean="0">
+                <a:solidFill>
+                  <a:schemeClr val="bg2"/>
+                </a:solidFill>
+                <a:sym typeface="Arial"/>
+              </a:rPr>
+              <a:t>JMX</a:t>
+            </a:r>
+          </a:p>
+          <a:p>
+            <a:pPr lvl="1">
+              <a:buClr>
+                <a:srgbClr val="008774"/>
+              </a:buClr>
+            </a:pPr>
+            <a:r>
+              <a:rPr lang="en-US" sz="1600" dirty="0" smtClean="0">
+                <a:solidFill>
+                  <a:schemeClr val="bg2"/>
+                </a:solidFill>
+                <a:sym typeface="Arial"/>
+              </a:rPr>
+              <a:t>Remote Shell</a:t>
+            </a:r>
+          </a:p>
+        </p:txBody>
+      </p:sp>
+      <p:sp>
+        <p:nvSpPr>
+          <p:cNvPr id="3" name="TextBox 2"/>
+          <p:cNvSpPr txBox="1"/>
+          <p:nvPr/>
+        </p:nvSpPr>
+        <p:spPr>
+          <a:xfrm>
+            <a:off x="8370455" y="4906818"/>
+            <a:ext cx="184666" cy="369332"/>
+          </a:xfrm>
+          <a:prstGeom prst="rect">
+            <a:avLst/>
+          </a:prstGeom>
+          <a:noFill/>
+        </p:spPr>
+        <p:txBody>
+          <a:bodyPr wrap="none" rtlCol="0">
+            <a:spAutoFit/>
+          </a:bodyPr>
+          <a:lstStyle/>
+          <a:p>
+            <a:endParaRPr lang="en-US" dirty="0"/>
+          </a:p>
+        </p:txBody>
+      </p:sp>
+    </p:spTree>
+    <p:extLst>
+      <p:ext uri="{BB962C8B-B14F-4D97-AF65-F5344CB8AC3E}">
+        <p14:creationId xmlns:p14="http://schemas.microsoft.com/office/powerpoint/2010/main" val="3622401129"/>
+      </p:ext>
+    </p:extLst>
+  </p:cSld>
+  <p:clrMapOvr>
+    <a:masterClrMapping/>
+  </p:clrMapOvr>
+  <mc:AlternateContent xmlns:mc="http://schemas.openxmlformats.org/markup-compatibility/2006" xmlns:p14="http://schemas.microsoft.com/office/powerpoint/2010/main">
+    <mc:Choice Requires="p14">
+      <p:transition p14:dur="0"/>
+    </mc:Choice>
+    <mc:Fallback xmlns="">
+      <p:transition xmlns:p14="http://schemas.microsoft.com/office/powerpoint/2010/main"/>
+    </mc:Fallback>
+  </mc:AlternateContent>
+  <p:timing>
+    <p:tnLst>
+      <p:par>
+        <p:cTn xmlns:p14="http://schemas.microsoft.com/office/powerpoint/2010/main" id="1" dur="indefinite" restart="never" nodeType="tmRoot"/>
+      </p:par>
+    </p:tnLst>
+  </p:timing>
+</p:sld>
+</file>
+
+<file path=ppt/slides/slide4.xml><?xml version="1.0" encoding="utf-8"?>
+<p:sld xmlns:a="http://schemas.openxmlformats.org/drawingml/2006/main" xmlns:r="http://schemas.openxmlformats.org/officeDocument/2006/relationships" xmlns:p="http://schemas.openxmlformats.org/presentationml/2006/main">
+  <p:cSld>
+    <p:spTree>
+      <p:nvGrpSpPr>
+        <p:cNvPr id="1" name="Shape 194"/>
+        <p:cNvGrpSpPr/>
+        <p:nvPr/>
+      </p:nvGrpSpPr>
+      <p:grpSpPr>
+        <a:xfrm>
+          <a:off x="0" y="0"/>
+          <a:ext cx="0" cy="0"/>
+          <a:chOff x="0" y="0"/>
+          <a:chExt cx="0" cy="0"/>
+        </a:xfrm>
+      </p:grpSpPr>
+      <p:sp>
+        <p:nvSpPr>
+          <p:cNvPr id="18" name="Rectangle 17"/>
+          <p:cNvSpPr/>
+          <p:nvPr/>
+        </p:nvSpPr>
+        <p:spPr>
+          <a:xfrm>
+            <a:off x="629920" y="2211459"/>
+            <a:ext cx="4775200" cy="1385181"/>
+          </a:xfrm>
+          <a:prstGeom prst="rect">
+            <a:avLst/>
+          </a:prstGeom>
+          <a:noFill/>
+          <a:ln>
+            <a:solidFill>
+              <a:srgbClr val="FFFFCC"/>
+            </a:solidFill>
+            <a:prstDash val="sysDash"/>
+          </a:ln>
+        </p:spPr>
+        <p:style>
+          <a:lnRef idx="1">
+            <a:schemeClr val="accent1"/>
+          </a:lnRef>
+          <a:fillRef idx="3">
+            <a:schemeClr val="accent1"/>
+          </a:fillRef>
+          <a:effectRef idx="2">
+            <a:schemeClr val="accent1"/>
+          </a:effectRef>
+          <a:fontRef idx="minor">
+            <a:schemeClr val="lt1"/>
+          </a:fontRef>
+        </p:style>
+        <p:txBody>
+          <a:bodyPr rtlCol="0" anchor="ctr"/>
+          <a:lstStyle/>
+          <a:p>
+            <a:pPr>
+              <a:buClr>
+                <a:srgbClr val="008774"/>
+              </a:buClr>
+            </a:pPr>
+            <a:r>
+              <a:rPr lang="en-US" sz="1400" dirty="0" smtClean="0">
+                <a:solidFill>
+                  <a:srgbClr val="EEECE1"/>
+                </a:solidFill>
+                <a:sym typeface="Arial"/>
+              </a:rPr>
+              <a:t>&lt;dependencies&gt;</a:t>
+            </a:r>
+          </a:p>
+          <a:p>
+            <a:pPr>
+              <a:buClr>
+                <a:srgbClr val="008774"/>
+              </a:buClr>
+            </a:pPr>
+            <a:r>
+              <a:rPr lang="en-US" sz="1400" dirty="0">
+                <a:solidFill>
+                  <a:srgbClr val="EEECE1"/>
+                </a:solidFill>
+                <a:sym typeface="Arial"/>
+              </a:rPr>
+              <a:t>	</a:t>
+            </a:r>
+            <a:r>
+              <a:rPr lang="en-US" sz="1400" dirty="0" smtClean="0">
+                <a:solidFill>
+                  <a:srgbClr val="EEECE1"/>
+                </a:solidFill>
+                <a:sym typeface="Arial"/>
+              </a:rPr>
+              <a:t>&lt;dependency&gt;</a:t>
+            </a:r>
+          </a:p>
+          <a:p>
+            <a:pPr>
+              <a:buClr>
+                <a:srgbClr val="008774"/>
+              </a:buClr>
+            </a:pPr>
+            <a:r>
+              <a:rPr lang="en-US" sz="1400" dirty="0">
+                <a:solidFill>
+                  <a:srgbClr val="EEECE1"/>
+                </a:solidFill>
+                <a:sym typeface="Arial"/>
+              </a:rPr>
+              <a:t>	</a:t>
+            </a:r>
+            <a:r>
+              <a:rPr lang="en-US" sz="1400" dirty="0" smtClean="0">
+                <a:solidFill>
+                  <a:srgbClr val="EEECE1"/>
+                </a:solidFill>
+                <a:sym typeface="Arial"/>
+              </a:rPr>
+              <a:t>	&lt;</a:t>
+            </a:r>
+            <a:r>
+              <a:rPr lang="en-US" sz="1400" dirty="0" err="1" smtClean="0">
+                <a:solidFill>
+                  <a:srgbClr val="EEECE1"/>
+                </a:solidFill>
+                <a:sym typeface="Arial"/>
+              </a:rPr>
+              <a:t>groupId</a:t>
+            </a:r>
+            <a:r>
+              <a:rPr lang="en-US" sz="1400" dirty="0" smtClean="0">
+                <a:solidFill>
+                  <a:srgbClr val="EEECE1"/>
+                </a:solidFill>
+                <a:sym typeface="Arial"/>
+              </a:rPr>
+              <a:t>&gt;</a:t>
+            </a:r>
+            <a:r>
+              <a:rPr lang="en-US" sz="1400" dirty="0" err="1" smtClean="0">
+                <a:solidFill>
+                  <a:srgbClr val="EEECE1"/>
+                </a:solidFill>
+                <a:sym typeface="Arial"/>
+              </a:rPr>
+              <a:t>org.springframework.boot</a:t>
+            </a:r>
+            <a:r>
+              <a:rPr lang="en-US" sz="1400" dirty="0" smtClean="0">
+                <a:solidFill>
+                  <a:srgbClr val="EEECE1"/>
+                </a:solidFill>
+                <a:sym typeface="Arial"/>
+              </a:rPr>
+              <a:t>&lt;/</a:t>
+            </a:r>
+            <a:r>
+              <a:rPr lang="en-US" sz="1400" dirty="0" err="1" smtClean="0">
+                <a:solidFill>
+                  <a:srgbClr val="EEECE1"/>
+                </a:solidFill>
+                <a:sym typeface="Arial"/>
+              </a:rPr>
+              <a:t>groupId</a:t>
+            </a:r>
+            <a:r>
+              <a:rPr lang="en-US" sz="1400" dirty="0" smtClean="0">
+                <a:solidFill>
+                  <a:srgbClr val="EEECE1"/>
+                </a:solidFill>
+                <a:sym typeface="Arial"/>
+              </a:rPr>
+              <a:t>&gt;</a:t>
+            </a:r>
+          </a:p>
+          <a:p>
+            <a:pPr>
+              <a:buClr>
+                <a:srgbClr val="008774"/>
+              </a:buClr>
+            </a:pPr>
+            <a:r>
+              <a:rPr lang="en-US" sz="1400" dirty="0">
+                <a:solidFill>
+                  <a:srgbClr val="EEECE1"/>
+                </a:solidFill>
+                <a:sym typeface="Arial"/>
+              </a:rPr>
+              <a:t>	</a:t>
+            </a:r>
+            <a:r>
+              <a:rPr lang="en-US" sz="1400" dirty="0" smtClean="0">
+                <a:solidFill>
+                  <a:srgbClr val="EEECE1"/>
+                </a:solidFill>
+                <a:sym typeface="Arial"/>
+              </a:rPr>
+              <a:t>	&lt;</a:t>
+            </a:r>
+            <a:r>
+              <a:rPr lang="en-US" sz="1400" dirty="0" err="1" smtClean="0">
+                <a:solidFill>
+                  <a:srgbClr val="EEECE1"/>
+                </a:solidFill>
+                <a:sym typeface="Arial"/>
+              </a:rPr>
+              <a:t>artifactId</a:t>
+            </a:r>
+            <a:r>
+              <a:rPr lang="en-US" sz="1400" dirty="0" smtClean="0">
+                <a:solidFill>
+                  <a:srgbClr val="EEECE1"/>
+                </a:solidFill>
+                <a:sym typeface="Arial"/>
+              </a:rPr>
+              <a:t>&gt;</a:t>
+            </a:r>
+            <a:r>
+              <a:rPr lang="en-US" sz="1400" b="1" dirty="0" smtClean="0">
+                <a:solidFill>
+                  <a:schemeClr val="accent6"/>
+                </a:solidFill>
+                <a:sym typeface="Arial"/>
+              </a:rPr>
+              <a:t>spring-boot-starter-actuator</a:t>
+            </a:r>
+            <a:r>
+              <a:rPr lang="en-US" sz="1400" dirty="0" smtClean="0">
+                <a:solidFill>
+                  <a:srgbClr val="EEECE1"/>
+                </a:solidFill>
+                <a:sym typeface="Arial"/>
+              </a:rPr>
+              <a:t>&lt;/</a:t>
+            </a:r>
+            <a:r>
+              <a:rPr lang="en-US" sz="1400" dirty="0" err="1" smtClean="0">
+                <a:solidFill>
+                  <a:srgbClr val="EEECE1"/>
+                </a:solidFill>
+                <a:sym typeface="Arial"/>
+              </a:rPr>
+              <a:t>artifactId</a:t>
+            </a:r>
+            <a:r>
+              <a:rPr lang="en-US" sz="1400" dirty="0" smtClean="0">
+                <a:solidFill>
+                  <a:srgbClr val="EEECE1"/>
+                </a:solidFill>
+                <a:sym typeface="Arial"/>
+              </a:rPr>
+              <a:t>&gt;</a:t>
+            </a:r>
+          </a:p>
+          <a:p>
+            <a:pPr>
+              <a:buClr>
+                <a:srgbClr val="008774"/>
+              </a:buClr>
+            </a:pPr>
+            <a:r>
+              <a:rPr lang="en-US" sz="1400" dirty="0">
+                <a:solidFill>
+                  <a:srgbClr val="EEECE1"/>
+                </a:solidFill>
+                <a:sym typeface="Arial"/>
+              </a:rPr>
+              <a:t>	</a:t>
+            </a:r>
+            <a:r>
+              <a:rPr lang="en-US" sz="1400" dirty="0" smtClean="0">
+                <a:solidFill>
+                  <a:srgbClr val="EEECE1"/>
+                </a:solidFill>
+                <a:sym typeface="Arial"/>
+              </a:rPr>
+              <a:t>&lt;/dependency&gt;</a:t>
+            </a:r>
+          </a:p>
+          <a:p>
+            <a:pPr>
+              <a:buClr>
+                <a:srgbClr val="008774"/>
+              </a:buClr>
+            </a:pPr>
+            <a:r>
+              <a:rPr lang="en-US" sz="1400" dirty="0" smtClean="0">
+                <a:solidFill>
+                  <a:srgbClr val="EEECE1"/>
+                </a:solidFill>
+                <a:sym typeface="Arial"/>
+              </a:rPr>
+              <a:t>&lt;/dependences&gt;</a:t>
+            </a:r>
+            <a:endParaRPr lang="en-US" sz="1400" dirty="0">
+              <a:solidFill>
+                <a:srgbClr val="EEECE1"/>
+              </a:solidFill>
+              <a:sym typeface="Arial"/>
+            </a:endParaRPr>
+          </a:p>
+        </p:txBody>
+      </p:sp>
+      <p:sp>
+        <p:nvSpPr>
+          <p:cNvPr id="195" name="Shape 195"/>
+          <p:cNvSpPr txBox="1">
+            <a:spLocks noGrp="1"/>
+          </p:cNvSpPr>
+          <p:nvPr>
+            <p:ph type="title"/>
+          </p:nvPr>
+        </p:nvSpPr>
+        <p:spPr/>
+        <p:txBody>
+          <a:bodyPr/>
+          <a:lstStyle/>
+          <a:p>
+            <a:pPr lvl="0"/>
+            <a:r>
+              <a:rPr lang="en-US" sz="3600" dirty="0" smtClean="0">
+                <a:solidFill>
+                  <a:schemeClr val="accent1"/>
+                </a:solidFill>
+                <a:sym typeface="Arial"/>
+              </a:rPr>
+              <a:t>Enabling with Dependency</a:t>
+            </a:r>
+            <a:endParaRPr lang="en-US" sz="3600" dirty="0">
+              <a:solidFill>
+                <a:schemeClr val="accent1"/>
+              </a:solidFill>
+              <a:sym typeface="Arial"/>
+            </a:endParaRPr>
+          </a:p>
+        </p:txBody>
+      </p:sp>
+      <p:sp>
+        <p:nvSpPr>
+          <p:cNvPr id="3" name="TextBox 2"/>
+          <p:cNvSpPr txBox="1"/>
+          <p:nvPr/>
+        </p:nvSpPr>
+        <p:spPr>
+          <a:xfrm>
+            <a:off x="8370455" y="4906818"/>
+            <a:ext cx="184666" cy="369332"/>
+          </a:xfrm>
+          <a:prstGeom prst="rect">
+            <a:avLst/>
+          </a:prstGeom>
+          <a:noFill/>
+        </p:spPr>
+        <p:txBody>
+          <a:bodyPr wrap="none" rtlCol="0">
+            <a:spAutoFit/>
+          </a:bodyPr>
+          <a:lstStyle/>
+          <a:p>
+            <a:endParaRPr lang="en-US" dirty="0"/>
+          </a:p>
+        </p:txBody>
+      </p:sp>
+      <p:sp>
+        <p:nvSpPr>
+          <p:cNvPr id="28" name="Shape 196"/>
+          <p:cNvSpPr txBox="1">
+            <a:spLocks noGrp="1"/>
+          </p:cNvSpPr>
+          <p:nvPr>
+            <p:ph type="body" sz="quarter" idx="4294967295"/>
+          </p:nvPr>
+        </p:nvSpPr>
+        <p:spPr>
+          <a:xfrm>
+            <a:off x="431800" y="624363"/>
+            <a:ext cx="8551408" cy="2139158"/>
+          </a:xfrm>
+          <a:prstGeom prst="rect">
+            <a:avLst/>
+          </a:prstGeom>
+        </p:spPr>
+        <p:txBody>
+          <a:bodyPr/>
+          <a:lstStyle/>
+          <a:p>
+            <a:pPr marL="0" lvl="0" indent="0">
+              <a:buClr>
+                <a:srgbClr val="008774"/>
+              </a:buClr>
+              <a:buNone/>
+            </a:pPr>
+            <a:endParaRPr lang="en-US" sz="2800" dirty="0" smtClean="0">
+              <a:solidFill>
+                <a:srgbClr val="EEECE1"/>
+              </a:solidFill>
+              <a:sym typeface="Arial"/>
+            </a:endParaRPr>
+          </a:p>
+          <a:p>
+            <a:pPr>
+              <a:buClr>
+                <a:srgbClr val="008774"/>
+              </a:buClr>
+            </a:pPr>
+            <a:r>
+              <a:rPr lang="en-US" sz="2400" dirty="0" smtClean="0">
+                <a:solidFill>
+                  <a:srgbClr val="EEECE1"/>
+                </a:solidFill>
+                <a:sym typeface="Arial"/>
+              </a:rPr>
+              <a:t>Import Maven Dependency</a:t>
+            </a:r>
+            <a:endParaRPr lang="en-US" sz="2000" dirty="0" smtClean="0">
+              <a:solidFill>
+                <a:srgbClr val="EEECE1"/>
+              </a:solidFill>
+              <a:sym typeface="Arial"/>
+            </a:endParaRPr>
+          </a:p>
+          <a:p>
+            <a:pPr>
+              <a:buClr>
+                <a:srgbClr val="008774"/>
+              </a:buClr>
+            </a:pPr>
+            <a:endParaRPr lang="en-US" sz="2400" dirty="0">
+              <a:solidFill>
+                <a:srgbClr val="EEECE1"/>
+              </a:solidFill>
+              <a:sym typeface="Arial"/>
+            </a:endParaRPr>
+          </a:p>
+        </p:txBody>
+      </p:sp>
+    </p:spTree>
+    <p:extLst>
+      <p:ext uri="{BB962C8B-B14F-4D97-AF65-F5344CB8AC3E}">
+        <p14:creationId xmlns:p14="http://schemas.microsoft.com/office/powerpoint/2010/main" val="3036137199"/>
+      </p:ext>
+    </p:extLst>
+  </p:cSld>
+  <p:clrMapOvr>
+    <a:masterClrMapping/>
+  </p:clrMapOvr>
+  <mc:AlternateContent xmlns:mc="http://schemas.openxmlformats.org/markup-compatibility/2006" xmlns:p14="http://schemas.microsoft.com/office/powerpoint/2010/main">
+    <mc:Choice Requires="p14">
+      <p:transition p14:dur="0"/>
+    </mc:Choice>
+    <mc:Fallback xmlns="">
+      <p:transition xmlns:p14="http://schemas.microsoft.com/office/powerpoint/2010/main"/>
+    </mc:Fallback>
+  </mc:AlternateContent>
+  <p:timing>
+    <p:tnLst>
+      <p:par>
+        <p:cTn xmlns:p14="http://schemas.microsoft.com/office/powerpoint/2010/main" id="1" dur="indefinite" restart="never" nodeType="tmRoot"/>
+      </p:par>
+    </p:tnLst>
+  </p:timing>
+</p:sld>
+</file>
+
+<file path=ppt/slides/slide5.xml><?xml version="1.0" encoding="utf-8"?>
+<p:sld xmlns:a="http://schemas.openxmlformats.org/drawingml/2006/main" xmlns:r="http://schemas.openxmlformats.org/officeDocument/2006/relationships" xmlns:p="http://schemas.openxmlformats.org/presentationml/2006/main">
+  <p:cSld>
+    <p:spTree>
+      <p:nvGrpSpPr>
+        <p:cNvPr id="1" name="Shape 194"/>
+        <p:cNvGrpSpPr/>
+        <p:nvPr/>
+      </p:nvGrpSpPr>
+      <p:grpSpPr>
+        <a:xfrm>
+          <a:off x="0" y="0"/>
+          <a:ext cx="0" cy="0"/>
+          <a:chOff x="0" y="0"/>
+          <a:chExt cx="0" cy="0"/>
+        </a:xfrm>
+      </p:grpSpPr>
+      <p:sp>
+        <p:nvSpPr>
+          <p:cNvPr id="18" name="Rectangle 17"/>
+          <p:cNvSpPr/>
+          <p:nvPr/>
+        </p:nvSpPr>
+        <p:spPr>
+          <a:xfrm>
+            <a:off x="4379290" y="1476569"/>
+            <a:ext cx="4531360" cy="582541"/>
+          </a:xfrm>
+          <a:prstGeom prst="rect">
+            <a:avLst/>
+          </a:prstGeom>
+          <a:noFill/>
+          <a:ln>
+            <a:solidFill>
+              <a:srgbClr val="FFFFCC"/>
+            </a:solidFill>
+            <a:prstDash val="sysDash"/>
+          </a:ln>
+        </p:spPr>
+        <p:style>
+          <a:lnRef idx="1">
+            <a:schemeClr val="accent1"/>
+          </a:lnRef>
+          <a:fillRef idx="3">
+            <a:schemeClr val="accent1"/>
+          </a:fillRef>
+          <a:effectRef idx="2">
+            <a:schemeClr val="accent1"/>
+          </a:effectRef>
+          <a:fontRef idx="minor">
+            <a:schemeClr val="lt1"/>
+          </a:fontRef>
+        </p:style>
+        <p:txBody>
+          <a:bodyPr rtlCol="0" anchor="ctr"/>
+          <a:lstStyle/>
+          <a:p>
+            <a:pPr>
+              <a:buClr>
+                <a:srgbClr val="008774"/>
+              </a:buClr>
+            </a:pPr>
+            <a:r>
+              <a:rPr lang="en-US" sz="1400" dirty="0" smtClean="0">
+                <a:solidFill>
+                  <a:srgbClr val="EEECE1"/>
+                </a:solidFill>
+                <a:sym typeface="Arial"/>
+              </a:rPr>
+              <a:t>GET /</a:t>
+            </a:r>
+            <a:r>
+              <a:rPr lang="en-US" sz="1400" dirty="0" err="1" smtClean="0">
+                <a:solidFill>
+                  <a:srgbClr val="EEECE1"/>
+                </a:solidFill>
+                <a:sym typeface="Arial"/>
+              </a:rPr>
+              <a:t>autoconfig</a:t>
+            </a:r>
+            <a:endParaRPr lang="en-US" sz="1400" dirty="0" smtClean="0">
+              <a:solidFill>
+                <a:srgbClr val="EEECE1"/>
+              </a:solidFill>
+              <a:sym typeface="Arial"/>
+            </a:endParaRPr>
+          </a:p>
+        </p:txBody>
+      </p:sp>
+      <p:sp>
+        <p:nvSpPr>
+          <p:cNvPr id="195" name="Shape 195"/>
+          <p:cNvSpPr txBox="1">
+            <a:spLocks noGrp="1"/>
+          </p:cNvSpPr>
+          <p:nvPr>
+            <p:ph type="title"/>
+          </p:nvPr>
+        </p:nvSpPr>
+        <p:spPr/>
+        <p:txBody>
+          <a:bodyPr/>
+          <a:lstStyle/>
+          <a:p>
+            <a:pPr lvl="0"/>
+            <a:r>
+              <a:rPr lang="en-US" sz="3600" dirty="0" smtClean="0">
+                <a:solidFill>
+                  <a:schemeClr val="accent1"/>
+                </a:solidFill>
+                <a:sym typeface="Arial"/>
+              </a:rPr>
+              <a:t>Actuator HTTP Endpoints</a:t>
+            </a:r>
+            <a:endParaRPr lang="en-US" sz="3600" dirty="0">
+              <a:solidFill>
+                <a:schemeClr val="accent1"/>
+              </a:solidFill>
+              <a:sym typeface="Arial"/>
+            </a:endParaRPr>
+          </a:p>
+        </p:txBody>
+      </p:sp>
+      <p:sp>
+        <p:nvSpPr>
+          <p:cNvPr id="3" name="TextBox 2"/>
+          <p:cNvSpPr txBox="1"/>
+          <p:nvPr/>
+        </p:nvSpPr>
+        <p:spPr>
+          <a:xfrm>
+            <a:off x="8370455" y="4906818"/>
+            <a:ext cx="184666" cy="369332"/>
+          </a:xfrm>
+          <a:prstGeom prst="rect">
+            <a:avLst/>
+          </a:prstGeom>
+          <a:noFill/>
+        </p:spPr>
+        <p:txBody>
+          <a:bodyPr wrap="none" rtlCol="0">
+            <a:spAutoFit/>
+          </a:bodyPr>
+          <a:lstStyle/>
+          <a:p>
+            <a:endParaRPr lang="en-US" dirty="0"/>
+          </a:p>
+        </p:txBody>
+      </p:sp>
+      <p:sp>
+        <p:nvSpPr>
+          <p:cNvPr id="28" name="Shape 196"/>
+          <p:cNvSpPr txBox="1">
+            <a:spLocks noGrp="1"/>
+          </p:cNvSpPr>
+          <p:nvPr>
+            <p:ph type="body" sz="quarter" idx="4294967295"/>
+          </p:nvPr>
+        </p:nvSpPr>
+        <p:spPr>
+          <a:xfrm>
+            <a:off x="431800" y="1000282"/>
+            <a:ext cx="3957320" cy="4059397"/>
+          </a:xfrm>
+          <a:prstGeom prst="rect">
+            <a:avLst/>
+          </a:prstGeom>
+        </p:spPr>
+        <p:txBody>
+          <a:bodyPr/>
+          <a:lstStyle/>
+          <a:p>
+            <a:pPr marL="0" lvl="0" indent="0">
+              <a:buClr>
+                <a:srgbClr val="008774"/>
+              </a:buClr>
+              <a:buNone/>
+            </a:pPr>
+            <a:endParaRPr lang="en-US" sz="2800" dirty="0" smtClean="0">
+              <a:solidFill>
+                <a:srgbClr val="EEECE1"/>
+              </a:solidFill>
+              <a:sym typeface="Arial"/>
+            </a:endParaRPr>
+          </a:p>
+          <a:p>
+            <a:pPr>
+              <a:buClr>
+                <a:srgbClr val="008774"/>
+              </a:buClr>
+            </a:pPr>
+            <a:r>
+              <a:rPr lang="en-US" sz="2400" dirty="0" smtClean="0">
+                <a:solidFill>
+                  <a:srgbClr val="EEECE1"/>
+                </a:solidFill>
+                <a:sym typeface="Arial"/>
+              </a:rPr>
+              <a:t>Auto-</a:t>
+            </a:r>
+            <a:r>
+              <a:rPr lang="en-US" sz="2400" dirty="0" err="1" smtClean="0">
+                <a:solidFill>
+                  <a:srgbClr val="EEECE1"/>
+                </a:solidFill>
+                <a:sym typeface="Arial"/>
+              </a:rPr>
+              <a:t>config</a:t>
+            </a:r>
+            <a:r>
+              <a:rPr lang="en-US" sz="2400" dirty="0" smtClean="0">
+                <a:solidFill>
+                  <a:srgbClr val="EEECE1"/>
+                </a:solidFill>
+                <a:sym typeface="Arial"/>
+              </a:rPr>
+              <a:t> candidates</a:t>
+            </a:r>
+          </a:p>
+          <a:p>
+            <a:pPr marL="0" indent="0">
+              <a:buClr>
+                <a:srgbClr val="008774"/>
+              </a:buClr>
+              <a:buNone/>
+            </a:pPr>
+            <a:endParaRPr lang="en-US" sz="2400" dirty="0" smtClean="0">
+              <a:solidFill>
+                <a:srgbClr val="EEECE1"/>
+              </a:solidFill>
+              <a:sym typeface="Arial"/>
+            </a:endParaRPr>
+          </a:p>
+          <a:p>
+            <a:pPr>
+              <a:buClr>
+                <a:srgbClr val="008774"/>
+              </a:buClr>
+            </a:pPr>
+            <a:r>
+              <a:rPr lang="en-US" sz="2400" dirty="0" smtClean="0">
+                <a:solidFill>
+                  <a:srgbClr val="EEECE1"/>
+                </a:solidFill>
+                <a:sym typeface="Arial"/>
+              </a:rPr>
+              <a:t>Spring managed Beans</a:t>
+            </a:r>
+          </a:p>
+          <a:p>
+            <a:pPr marL="0" indent="0">
+              <a:buClr>
+                <a:srgbClr val="008774"/>
+              </a:buClr>
+              <a:buNone/>
+            </a:pPr>
+            <a:endParaRPr lang="en-US" sz="2400" dirty="0" smtClean="0">
+              <a:solidFill>
+                <a:srgbClr val="EEECE1"/>
+              </a:solidFill>
+              <a:sym typeface="Arial"/>
+            </a:endParaRPr>
+          </a:p>
+          <a:p>
+            <a:pPr>
+              <a:buClr>
+                <a:srgbClr val="008774"/>
+              </a:buClr>
+            </a:pPr>
+            <a:r>
+              <a:rPr lang="en-US" sz="2400" dirty="0" smtClean="0">
+                <a:solidFill>
+                  <a:srgbClr val="EEECE1"/>
+                </a:solidFill>
+                <a:sym typeface="Arial"/>
+              </a:rPr>
+              <a:t>Environment</a:t>
+            </a:r>
+          </a:p>
+          <a:p>
+            <a:pPr marL="0" indent="0">
+              <a:buClr>
+                <a:srgbClr val="008774"/>
+              </a:buClr>
+              <a:buNone/>
+            </a:pPr>
+            <a:endParaRPr lang="en-US" sz="2400" dirty="0" smtClean="0">
+              <a:solidFill>
+                <a:srgbClr val="EEECE1"/>
+              </a:solidFill>
+              <a:sym typeface="Arial"/>
+            </a:endParaRPr>
+          </a:p>
+          <a:p>
+            <a:pPr>
+              <a:buClr>
+                <a:srgbClr val="008774"/>
+              </a:buClr>
+            </a:pPr>
+            <a:r>
+              <a:rPr lang="en-US" sz="2400" dirty="0" smtClean="0">
+                <a:solidFill>
+                  <a:srgbClr val="EEECE1"/>
+                </a:solidFill>
+                <a:sym typeface="Arial"/>
+              </a:rPr>
+              <a:t>@</a:t>
+            </a:r>
+            <a:r>
+              <a:rPr lang="en-US" sz="2400" dirty="0" err="1" smtClean="0">
+                <a:solidFill>
+                  <a:srgbClr val="EEECE1"/>
+                </a:solidFill>
+                <a:sym typeface="Arial"/>
+              </a:rPr>
+              <a:t>ConfigurationProperties</a:t>
+            </a:r>
+            <a:endParaRPr lang="en-US" sz="2400" dirty="0" smtClean="0">
+              <a:solidFill>
+                <a:srgbClr val="EEECE1"/>
+              </a:solidFill>
+              <a:sym typeface="Arial"/>
+            </a:endParaRPr>
+          </a:p>
+          <a:p>
+            <a:pPr>
+              <a:buClr>
+                <a:srgbClr val="008774"/>
+              </a:buClr>
+            </a:pPr>
+            <a:endParaRPr lang="en-US" sz="2400" dirty="0" smtClean="0">
+              <a:solidFill>
+                <a:srgbClr val="EEECE1"/>
+              </a:solidFill>
+              <a:sym typeface="Arial"/>
+            </a:endParaRPr>
+          </a:p>
+          <a:p>
+            <a:pPr>
+              <a:buClr>
+                <a:srgbClr val="008774"/>
+              </a:buClr>
+            </a:pPr>
+            <a:endParaRPr lang="en-US" sz="2400" dirty="0">
+              <a:solidFill>
+                <a:srgbClr val="EEECE1"/>
+              </a:solidFill>
+              <a:sym typeface="Arial"/>
+            </a:endParaRPr>
+          </a:p>
+        </p:txBody>
+      </p:sp>
+      <p:sp>
+        <p:nvSpPr>
+          <p:cNvPr id="6" name="Rectangle 5"/>
+          <p:cNvSpPr/>
+          <p:nvPr/>
+        </p:nvSpPr>
+        <p:spPr>
+          <a:xfrm>
+            <a:off x="4379290" y="2350329"/>
+            <a:ext cx="4531360" cy="582541"/>
+          </a:xfrm>
+          <a:prstGeom prst="rect">
+            <a:avLst/>
+          </a:prstGeom>
+          <a:noFill/>
+          <a:ln>
+            <a:solidFill>
+              <a:srgbClr val="FFFFCC"/>
+            </a:solidFill>
+            <a:prstDash val="sysDash"/>
+          </a:ln>
+        </p:spPr>
+        <p:style>
+          <a:lnRef idx="1">
+            <a:schemeClr val="accent1"/>
+          </a:lnRef>
+          <a:fillRef idx="3">
+            <a:schemeClr val="accent1"/>
+          </a:fillRef>
+          <a:effectRef idx="2">
+            <a:schemeClr val="accent1"/>
+          </a:effectRef>
+          <a:fontRef idx="minor">
+            <a:schemeClr val="lt1"/>
+          </a:fontRef>
+        </p:style>
+        <p:txBody>
+          <a:bodyPr rtlCol="0" anchor="ctr"/>
+          <a:lstStyle/>
+          <a:p>
+            <a:pPr>
+              <a:buClr>
+                <a:srgbClr val="008774"/>
+              </a:buClr>
+            </a:pPr>
+            <a:r>
+              <a:rPr lang="en-US" sz="1400" dirty="0" smtClean="0">
+                <a:solidFill>
+                  <a:srgbClr val="EEECE1"/>
+                </a:solidFill>
+                <a:sym typeface="Arial"/>
+              </a:rPr>
+              <a:t>GET /beans</a:t>
+            </a:r>
+            <a:endParaRPr lang="en-US" sz="1400" dirty="0" smtClean="0">
+              <a:solidFill>
+                <a:srgbClr val="EEECE1"/>
+              </a:solidFill>
+              <a:sym typeface="Arial"/>
+            </a:endParaRPr>
+          </a:p>
+        </p:txBody>
+      </p:sp>
+      <p:sp>
+        <p:nvSpPr>
+          <p:cNvPr id="7" name="Rectangle 6"/>
+          <p:cNvSpPr/>
+          <p:nvPr/>
+        </p:nvSpPr>
+        <p:spPr>
+          <a:xfrm>
+            <a:off x="4379290" y="3203769"/>
+            <a:ext cx="4531360" cy="582541"/>
+          </a:xfrm>
+          <a:prstGeom prst="rect">
+            <a:avLst/>
+          </a:prstGeom>
+          <a:noFill/>
+          <a:ln>
+            <a:solidFill>
+              <a:srgbClr val="FFFFCC"/>
+            </a:solidFill>
+            <a:prstDash val="sysDash"/>
+          </a:ln>
+        </p:spPr>
+        <p:style>
+          <a:lnRef idx="1">
+            <a:schemeClr val="accent1"/>
+          </a:lnRef>
+          <a:fillRef idx="3">
+            <a:schemeClr val="accent1"/>
+          </a:fillRef>
+          <a:effectRef idx="2">
+            <a:schemeClr val="accent1"/>
+          </a:effectRef>
+          <a:fontRef idx="minor">
+            <a:schemeClr val="lt1"/>
+          </a:fontRef>
+        </p:style>
+        <p:txBody>
+          <a:bodyPr rtlCol="0" anchor="ctr"/>
+          <a:lstStyle/>
+          <a:p>
+            <a:pPr>
+              <a:buClr>
+                <a:srgbClr val="008774"/>
+              </a:buClr>
+            </a:pPr>
+            <a:r>
+              <a:rPr lang="en-US" sz="1400" dirty="0" smtClean="0">
+                <a:solidFill>
+                  <a:srgbClr val="EEECE1"/>
+                </a:solidFill>
+                <a:sym typeface="Arial"/>
+              </a:rPr>
+              <a:t>GET /</a:t>
+            </a:r>
+            <a:r>
+              <a:rPr lang="en-US" sz="1400" dirty="0" err="1" smtClean="0">
+                <a:solidFill>
+                  <a:srgbClr val="EEECE1"/>
+                </a:solidFill>
+                <a:sym typeface="Arial"/>
+              </a:rPr>
+              <a:t>env</a:t>
+            </a:r>
+            <a:endParaRPr lang="en-US" sz="1400" dirty="0" smtClean="0">
+              <a:solidFill>
+                <a:srgbClr val="EEECE1"/>
+              </a:solidFill>
+              <a:sym typeface="Arial"/>
+            </a:endParaRPr>
+          </a:p>
+        </p:txBody>
+      </p:sp>
+      <p:sp>
+        <p:nvSpPr>
+          <p:cNvPr id="8" name="Rectangle 7"/>
+          <p:cNvSpPr/>
+          <p:nvPr/>
+        </p:nvSpPr>
+        <p:spPr>
+          <a:xfrm>
+            <a:off x="4379290" y="4077529"/>
+            <a:ext cx="4531360" cy="582541"/>
+          </a:xfrm>
+          <a:prstGeom prst="rect">
+            <a:avLst/>
+          </a:prstGeom>
+          <a:noFill/>
+          <a:ln>
+            <a:solidFill>
+              <a:srgbClr val="FFFFCC"/>
+            </a:solidFill>
+            <a:prstDash val="sysDash"/>
+          </a:ln>
+        </p:spPr>
+        <p:style>
+          <a:lnRef idx="1">
+            <a:schemeClr val="accent1"/>
+          </a:lnRef>
+          <a:fillRef idx="3">
+            <a:schemeClr val="accent1"/>
+          </a:fillRef>
+          <a:effectRef idx="2">
+            <a:schemeClr val="accent1"/>
+          </a:effectRef>
+          <a:fontRef idx="minor">
+            <a:schemeClr val="lt1"/>
+          </a:fontRef>
+        </p:style>
+        <p:txBody>
+          <a:bodyPr rtlCol="0" anchor="ctr"/>
+          <a:lstStyle/>
+          <a:p>
+            <a:pPr>
+              <a:buClr>
+                <a:srgbClr val="008774"/>
+              </a:buClr>
+            </a:pPr>
+            <a:r>
+              <a:rPr lang="en-US" sz="1400" dirty="0" smtClean="0">
+                <a:solidFill>
+                  <a:srgbClr val="EEECE1"/>
+                </a:solidFill>
+                <a:sym typeface="Arial"/>
+              </a:rPr>
+              <a:t>GET /</a:t>
+            </a:r>
+            <a:r>
+              <a:rPr lang="en-US" sz="1400" dirty="0" err="1" smtClean="0">
+                <a:solidFill>
+                  <a:srgbClr val="EEECE1"/>
+                </a:solidFill>
+                <a:sym typeface="Arial"/>
+              </a:rPr>
+              <a:t>configprops</a:t>
+            </a:r>
+            <a:endParaRPr lang="en-US" sz="1400" dirty="0" smtClean="0">
+              <a:solidFill>
+                <a:srgbClr val="EEECE1"/>
+              </a:solidFill>
+              <a:sym typeface="Arial"/>
+            </a:endParaRPr>
+          </a:p>
+        </p:txBody>
+      </p:sp>
+      <p:sp>
+        <p:nvSpPr>
+          <p:cNvPr id="2" name="TextBox 1"/>
+          <p:cNvSpPr txBox="1"/>
+          <p:nvPr/>
+        </p:nvSpPr>
+        <p:spPr>
+          <a:xfrm>
+            <a:off x="3432381" y="1000282"/>
+            <a:ext cx="1893818" cy="369332"/>
+          </a:xfrm>
+          <a:prstGeom prst="rect">
+            <a:avLst/>
+          </a:prstGeom>
+          <a:noFill/>
+        </p:spPr>
+        <p:txBody>
+          <a:bodyPr wrap="none" rtlCol="0">
+            <a:spAutoFit/>
+          </a:bodyPr>
+          <a:lstStyle/>
+          <a:p>
+            <a:r>
+              <a:rPr lang="en-US" dirty="0" smtClean="0">
+                <a:solidFill>
+                  <a:schemeClr val="bg2"/>
+                </a:solidFill>
+              </a:rPr>
+              <a:t>App Configuration</a:t>
+            </a:r>
+            <a:endParaRPr lang="en-US" dirty="0">
+              <a:solidFill>
+                <a:schemeClr val="bg2"/>
+              </a:solidFill>
+            </a:endParaRPr>
+          </a:p>
+        </p:txBody>
+      </p:sp>
+    </p:spTree>
+    <p:extLst>
+      <p:ext uri="{BB962C8B-B14F-4D97-AF65-F5344CB8AC3E}">
+        <p14:creationId xmlns:p14="http://schemas.microsoft.com/office/powerpoint/2010/main" val="2182139903"/>
+      </p:ext>
+    </p:extLst>
+  </p:cSld>
+  <p:clrMapOvr>
+    <a:masterClrMapping/>
+  </p:clrMapOvr>
+  <mc:AlternateContent xmlns:mc="http://schemas.openxmlformats.org/markup-compatibility/2006" xmlns:p14="http://schemas.microsoft.com/office/powerpoint/2010/main">
+    <mc:Choice Requires="p14">
+      <p:transition p14:dur="0"/>
+    </mc:Choice>
+    <mc:Fallback xmlns="">
+      <p:transition xmlns:p14="http://schemas.microsoft.com/office/powerpoint/2010/main"/>
+    </mc:Fallback>
+  </mc:AlternateContent>
+  <p:timing>
+    <p:tnLst>
+      <p:par>
+        <p:cTn xmlns:p14="http://schemas.microsoft.com/office/powerpoint/2010/main" id="1" dur="indefinite" restart="never" nodeType="tmRoot"/>
+      </p:par>
+    </p:tnLst>
+  </p:timing>
+</p:sld>
+</file>
+
+<file path=ppt/slides/slide6.xml><?xml version="1.0" encoding="utf-8"?>
+<p:sld xmlns:a="http://schemas.openxmlformats.org/drawingml/2006/main" xmlns:r="http://schemas.openxmlformats.org/officeDocument/2006/relationships" xmlns:p="http://schemas.openxmlformats.org/presentationml/2006/main">
+  <p:cSld>
+    <p:spTree>
+      <p:nvGrpSpPr>
+        <p:cNvPr id="1" name="Shape 194"/>
+        <p:cNvGrpSpPr/>
+        <p:nvPr/>
+      </p:nvGrpSpPr>
+      <p:grpSpPr>
+        <a:xfrm>
+          <a:off x="0" y="0"/>
+          <a:ext cx="0" cy="0"/>
+          <a:chOff x="0" y="0"/>
+          <a:chExt cx="0" cy="0"/>
+        </a:xfrm>
+      </p:grpSpPr>
+      <p:sp>
+        <p:nvSpPr>
+          <p:cNvPr id="18" name="Rectangle 17"/>
+          <p:cNvSpPr/>
+          <p:nvPr/>
+        </p:nvSpPr>
+        <p:spPr>
+          <a:xfrm>
+            <a:off x="4379290" y="1476569"/>
+            <a:ext cx="4531360" cy="582541"/>
+          </a:xfrm>
+          <a:prstGeom prst="rect">
+            <a:avLst/>
+          </a:prstGeom>
+          <a:noFill/>
+          <a:ln>
+            <a:solidFill>
+              <a:srgbClr val="FFFFCC"/>
+            </a:solidFill>
+            <a:prstDash val="sysDash"/>
+          </a:ln>
+        </p:spPr>
+        <p:style>
+          <a:lnRef idx="1">
+            <a:schemeClr val="accent1"/>
+          </a:lnRef>
+          <a:fillRef idx="3">
+            <a:schemeClr val="accent1"/>
+          </a:fillRef>
+          <a:effectRef idx="2">
+            <a:schemeClr val="accent1"/>
+          </a:effectRef>
+          <a:fontRef idx="minor">
+            <a:schemeClr val="lt1"/>
+          </a:fontRef>
+        </p:style>
+        <p:txBody>
+          <a:bodyPr rtlCol="0" anchor="ctr"/>
+          <a:lstStyle/>
+          <a:p>
+            <a:pPr>
+              <a:buClr>
+                <a:srgbClr val="008774"/>
+              </a:buClr>
+            </a:pPr>
+            <a:r>
+              <a:rPr lang="en-US" sz="1400" dirty="0" smtClean="0">
+                <a:solidFill>
+                  <a:srgbClr val="EEECE1"/>
+                </a:solidFill>
+                <a:sym typeface="Arial"/>
+              </a:rPr>
+              <a:t>GET /health</a:t>
+            </a:r>
+            <a:endParaRPr lang="en-US" sz="1400" dirty="0" smtClean="0">
+              <a:solidFill>
+                <a:srgbClr val="EEECE1"/>
+              </a:solidFill>
+              <a:sym typeface="Arial"/>
+            </a:endParaRPr>
+          </a:p>
+        </p:txBody>
+      </p:sp>
+      <p:sp>
+        <p:nvSpPr>
+          <p:cNvPr id="195" name="Shape 195"/>
+          <p:cNvSpPr txBox="1">
+            <a:spLocks noGrp="1"/>
+          </p:cNvSpPr>
+          <p:nvPr>
+            <p:ph type="title"/>
+          </p:nvPr>
+        </p:nvSpPr>
+        <p:spPr/>
+        <p:txBody>
+          <a:bodyPr/>
+          <a:lstStyle/>
+          <a:p>
+            <a:pPr lvl="0"/>
+            <a:r>
+              <a:rPr lang="en-US" sz="3600" dirty="0" smtClean="0">
+                <a:solidFill>
+                  <a:schemeClr val="accent1"/>
+                </a:solidFill>
+                <a:sym typeface="Arial"/>
+              </a:rPr>
+              <a:t>Actuator HTTP Endpoints</a:t>
+            </a:r>
+            <a:endParaRPr lang="en-US" sz="3600" dirty="0">
+              <a:solidFill>
+                <a:schemeClr val="accent1"/>
+              </a:solidFill>
+              <a:sym typeface="Arial"/>
+            </a:endParaRPr>
+          </a:p>
+        </p:txBody>
+      </p:sp>
+      <p:sp>
+        <p:nvSpPr>
+          <p:cNvPr id="3" name="TextBox 2"/>
+          <p:cNvSpPr txBox="1"/>
+          <p:nvPr/>
+        </p:nvSpPr>
+        <p:spPr>
+          <a:xfrm>
+            <a:off x="8370455" y="4906818"/>
+            <a:ext cx="184666" cy="369332"/>
+          </a:xfrm>
+          <a:prstGeom prst="rect">
+            <a:avLst/>
+          </a:prstGeom>
+          <a:noFill/>
+        </p:spPr>
+        <p:txBody>
+          <a:bodyPr wrap="none" rtlCol="0">
+            <a:spAutoFit/>
+          </a:bodyPr>
+          <a:lstStyle/>
+          <a:p>
+            <a:endParaRPr lang="en-US" dirty="0"/>
+          </a:p>
+        </p:txBody>
+      </p:sp>
+      <p:sp>
+        <p:nvSpPr>
+          <p:cNvPr id="28" name="Shape 196"/>
+          <p:cNvSpPr txBox="1">
+            <a:spLocks noGrp="1"/>
+          </p:cNvSpPr>
+          <p:nvPr>
+            <p:ph type="body" sz="quarter" idx="4294967295"/>
+          </p:nvPr>
+        </p:nvSpPr>
+        <p:spPr>
+          <a:xfrm>
+            <a:off x="431800" y="1000282"/>
+            <a:ext cx="3957320" cy="4059397"/>
+          </a:xfrm>
+          <a:prstGeom prst="rect">
+            <a:avLst/>
+          </a:prstGeom>
+        </p:spPr>
+        <p:txBody>
+          <a:bodyPr/>
+          <a:lstStyle/>
+          <a:p>
+            <a:pPr marL="0" lvl="0" indent="0">
+              <a:buClr>
+                <a:srgbClr val="008774"/>
+              </a:buClr>
+              <a:buNone/>
+            </a:pPr>
+            <a:endParaRPr lang="en-US" sz="2800" dirty="0" smtClean="0">
+              <a:solidFill>
+                <a:srgbClr val="EEECE1"/>
+              </a:solidFill>
+              <a:sym typeface="Arial"/>
+            </a:endParaRPr>
+          </a:p>
+          <a:p>
+            <a:pPr>
+              <a:buClr>
+                <a:srgbClr val="008774"/>
+              </a:buClr>
+            </a:pPr>
+            <a:r>
+              <a:rPr lang="en-US" sz="2400" dirty="0" smtClean="0">
+                <a:solidFill>
+                  <a:srgbClr val="EEECE1"/>
+                </a:solidFill>
+                <a:sym typeface="Arial"/>
+              </a:rPr>
+              <a:t>Health Info</a:t>
+            </a:r>
+          </a:p>
+          <a:p>
+            <a:pPr marL="0" indent="0">
+              <a:buClr>
+                <a:srgbClr val="008774"/>
+              </a:buClr>
+              <a:buNone/>
+            </a:pPr>
+            <a:endParaRPr lang="en-US" sz="2400" dirty="0" smtClean="0">
+              <a:solidFill>
+                <a:srgbClr val="EEECE1"/>
+              </a:solidFill>
+              <a:sym typeface="Arial"/>
+            </a:endParaRPr>
+          </a:p>
+          <a:p>
+            <a:pPr>
+              <a:buClr>
+                <a:srgbClr val="008774"/>
+              </a:buClr>
+            </a:pPr>
+            <a:r>
+              <a:rPr lang="en-US" sz="2400" dirty="0" smtClean="0">
+                <a:solidFill>
+                  <a:srgbClr val="EEECE1"/>
+                </a:solidFill>
+                <a:sym typeface="Arial"/>
+              </a:rPr>
+              <a:t>General App Info</a:t>
+            </a:r>
+          </a:p>
+          <a:p>
+            <a:pPr marL="0" indent="0">
+              <a:buClr>
+                <a:srgbClr val="008774"/>
+              </a:buClr>
+              <a:buNone/>
+            </a:pPr>
+            <a:endParaRPr lang="en-US" sz="2400" dirty="0" smtClean="0">
+              <a:solidFill>
+                <a:srgbClr val="EEECE1"/>
+              </a:solidFill>
+              <a:sym typeface="Arial"/>
+            </a:endParaRPr>
+          </a:p>
+          <a:p>
+            <a:pPr>
+              <a:buClr>
+                <a:srgbClr val="008774"/>
+              </a:buClr>
+            </a:pPr>
+            <a:r>
+              <a:rPr lang="en-US" sz="2400" dirty="0" smtClean="0">
+                <a:solidFill>
+                  <a:srgbClr val="EEECE1"/>
+                </a:solidFill>
+                <a:sym typeface="Arial"/>
+              </a:rPr>
+              <a:t>Log File</a:t>
+            </a:r>
+          </a:p>
+          <a:p>
+            <a:pPr marL="0" indent="0">
+              <a:buClr>
+                <a:srgbClr val="008774"/>
+              </a:buClr>
+              <a:buNone/>
+            </a:pPr>
+            <a:r>
+              <a:rPr lang="en-US" sz="1800" i="1" dirty="0">
+                <a:solidFill>
+                  <a:srgbClr val="EEECE1"/>
+                </a:solidFill>
+                <a:sym typeface="Arial"/>
+              </a:rPr>
+              <a:t>property: </a:t>
+            </a:r>
+            <a:r>
+              <a:rPr lang="en-US" sz="1800" i="1" dirty="0" err="1">
+                <a:solidFill>
+                  <a:srgbClr val="EEECE1"/>
+                </a:solidFill>
+                <a:sym typeface="Arial"/>
+              </a:rPr>
+              <a:t>logging.file</a:t>
+            </a:r>
+            <a:r>
+              <a:rPr lang="en-US" sz="1800" i="1" dirty="0">
+                <a:solidFill>
+                  <a:srgbClr val="EEECE1"/>
+                </a:solidFill>
+                <a:sym typeface="Arial"/>
+              </a:rPr>
+              <a:t> | </a:t>
+            </a:r>
+            <a:r>
+              <a:rPr lang="en-US" sz="1800" i="1" dirty="0" err="1" smtClean="0">
+                <a:solidFill>
+                  <a:srgbClr val="EEECE1"/>
+                </a:solidFill>
+                <a:sym typeface="Arial"/>
+              </a:rPr>
+              <a:t>logging.path</a:t>
+            </a:r>
+            <a:endParaRPr lang="en-US" sz="1800" i="1" dirty="0" smtClean="0">
+              <a:solidFill>
+                <a:srgbClr val="EEECE1"/>
+              </a:solidFill>
+              <a:sym typeface="Arial"/>
+            </a:endParaRPr>
+          </a:p>
+          <a:p>
+            <a:pPr marL="0" indent="0">
+              <a:buClr>
+                <a:srgbClr val="008774"/>
+              </a:buClr>
+              <a:buNone/>
+            </a:pPr>
+            <a:endParaRPr lang="en-US" sz="2400" dirty="0" smtClean="0">
+              <a:solidFill>
+                <a:srgbClr val="EEECE1"/>
+              </a:solidFill>
+              <a:sym typeface="Arial"/>
+            </a:endParaRPr>
+          </a:p>
+          <a:p>
+            <a:pPr>
+              <a:buClr>
+                <a:srgbClr val="008774"/>
+              </a:buClr>
+            </a:pPr>
+            <a:r>
+              <a:rPr lang="en-US" sz="2400" dirty="0" smtClean="0">
+                <a:solidFill>
+                  <a:srgbClr val="EEECE1"/>
+                </a:solidFill>
+                <a:sym typeface="Arial"/>
+              </a:rPr>
+              <a:t>Metrics</a:t>
+            </a:r>
+            <a:endParaRPr lang="en-US" sz="2400" dirty="0" smtClean="0">
+              <a:solidFill>
+                <a:srgbClr val="EEECE1"/>
+              </a:solidFill>
+              <a:sym typeface="Arial"/>
+            </a:endParaRPr>
+          </a:p>
+          <a:p>
+            <a:pPr>
+              <a:buClr>
+                <a:srgbClr val="008774"/>
+              </a:buClr>
+            </a:pPr>
+            <a:endParaRPr lang="en-US" sz="2400" dirty="0">
+              <a:solidFill>
+                <a:srgbClr val="EEECE1"/>
+              </a:solidFill>
+              <a:sym typeface="Arial"/>
+            </a:endParaRPr>
+          </a:p>
+        </p:txBody>
+      </p:sp>
+      <p:sp>
+        <p:nvSpPr>
+          <p:cNvPr id="6" name="Rectangle 5"/>
+          <p:cNvSpPr/>
+          <p:nvPr/>
+        </p:nvSpPr>
+        <p:spPr>
+          <a:xfrm>
+            <a:off x="4379290" y="2350329"/>
+            <a:ext cx="4531360" cy="582541"/>
+          </a:xfrm>
+          <a:prstGeom prst="rect">
+            <a:avLst/>
+          </a:prstGeom>
+          <a:noFill/>
+          <a:ln>
+            <a:solidFill>
+              <a:srgbClr val="FFFFCC"/>
+            </a:solidFill>
+            <a:prstDash val="sysDash"/>
+          </a:ln>
+        </p:spPr>
+        <p:style>
+          <a:lnRef idx="1">
+            <a:schemeClr val="accent1"/>
+          </a:lnRef>
+          <a:fillRef idx="3">
+            <a:schemeClr val="accent1"/>
+          </a:fillRef>
+          <a:effectRef idx="2">
+            <a:schemeClr val="accent1"/>
+          </a:effectRef>
+          <a:fontRef idx="minor">
+            <a:schemeClr val="lt1"/>
+          </a:fontRef>
+        </p:style>
+        <p:txBody>
+          <a:bodyPr rtlCol="0" anchor="ctr"/>
+          <a:lstStyle/>
+          <a:p>
+            <a:pPr>
+              <a:buClr>
+                <a:srgbClr val="008774"/>
+              </a:buClr>
+            </a:pPr>
+            <a:r>
+              <a:rPr lang="en-US" sz="1400" dirty="0" smtClean="0">
+                <a:solidFill>
+                  <a:srgbClr val="EEECE1"/>
+                </a:solidFill>
+                <a:sym typeface="Arial"/>
+              </a:rPr>
+              <a:t>GET /info</a:t>
+            </a:r>
+            <a:endParaRPr lang="en-US" sz="1400" dirty="0" smtClean="0">
+              <a:solidFill>
+                <a:srgbClr val="EEECE1"/>
+              </a:solidFill>
+              <a:sym typeface="Arial"/>
+            </a:endParaRPr>
+          </a:p>
+        </p:txBody>
+      </p:sp>
+      <p:sp>
+        <p:nvSpPr>
+          <p:cNvPr id="7" name="Rectangle 6"/>
+          <p:cNvSpPr/>
+          <p:nvPr/>
+        </p:nvSpPr>
+        <p:spPr>
+          <a:xfrm>
+            <a:off x="4379290" y="3203769"/>
+            <a:ext cx="4531360" cy="582541"/>
+          </a:xfrm>
+          <a:prstGeom prst="rect">
+            <a:avLst/>
+          </a:prstGeom>
+          <a:noFill/>
+          <a:ln>
+            <a:solidFill>
+              <a:srgbClr val="FFFFCC"/>
+            </a:solidFill>
+            <a:prstDash val="sysDash"/>
+          </a:ln>
+        </p:spPr>
+        <p:style>
+          <a:lnRef idx="1">
+            <a:schemeClr val="accent1"/>
+          </a:lnRef>
+          <a:fillRef idx="3">
+            <a:schemeClr val="accent1"/>
+          </a:fillRef>
+          <a:effectRef idx="2">
+            <a:schemeClr val="accent1"/>
+          </a:effectRef>
+          <a:fontRef idx="minor">
+            <a:schemeClr val="lt1"/>
+          </a:fontRef>
+        </p:style>
+        <p:txBody>
+          <a:bodyPr rtlCol="0" anchor="ctr"/>
+          <a:lstStyle/>
+          <a:p>
+            <a:pPr>
+              <a:buClr>
+                <a:srgbClr val="008774"/>
+              </a:buClr>
+            </a:pPr>
+            <a:r>
+              <a:rPr lang="en-US" sz="1400" dirty="0" smtClean="0">
+                <a:solidFill>
+                  <a:srgbClr val="EEECE1"/>
+                </a:solidFill>
+                <a:sym typeface="Arial"/>
+              </a:rPr>
+              <a:t>GET /</a:t>
+            </a:r>
+            <a:r>
+              <a:rPr lang="en-US" sz="1400" dirty="0" err="1" smtClean="0">
+                <a:solidFill>
+                  <a:srgbClr val="EEECE1"/>
+                </a:solidFill>
+                <a:sym typeface="Arial"/>
+              </a:rPr>
+              <a:t>logfile</a:t>
+            </a:r>
+            <a:r>
+              <a:rPr lang="en-US" sz="1400" dirty="0" smtClean="0">
+                <a:solidFill>
+                  <a:srgbClr val="EEECE1"/>
+                </a:solidFill>
+                <a:sym typeface="Arial"/>
+              </a:rPr>
+              <a:t>  </a:t>
+            </a:r>
+            <a:endParaRPr lang="en-US" sz="1400" dirty="0" smtClean="0">
+              <a:solidFill>
+                <a:srgbClr val="EEECE1"/>
+              </a:solidFill>
+              <a:sym typeface="Arial"/>
+            </a:endParaRPr>
+          </a:p>
+        </p:txBody>
+      </p:sp>
+      <p:sp>
+        <p:nvSpPr>
+          <p:cNvPr id="8" name="Rectangle 7"/>
+          <p:cNvSpPr/>
+          <p:nvPr/>
+        </p:nvSpPr>
+        <p:spPr>
+          <a:xfrm>
+            <a:off x="4379290" y="4253157"/>
+            <a:ext cx="4531360" cy="582541"/>
+          </a:xfrm>
+          <a:prstGeom prst="rect">
+            <a:avLst/>
+          </a:prstGeom>
+          <a:noFill/>
+          <a:ln>
+            <a:solidFill>
+              <a:srgbClr val="FFFFCC"/>
+            </a:solidFill>
+            <a:prstDash val="sysDash"/>
+          </a:ln>
+        </p:spPr>
+        <p:style>
+          <a:lnRef idx="1">
+            <a:schemeClr val="accent1"/>
+          </a:lnRef>
+          <a:fillRef idx="3">
+            <a:schemeClr val="accent1"/>
+          </a:fillRef>
+          <a:effectRef idx="2">
+            <a:schemeClr val="accent1"/>
+          </a:effectRef>
+          <a:fontRef idx="minor">
+            <a:schemeClr val="lt1"/>
+          </a:fontRef>
+        </p:style>
+        <p:txBody>
+          <a:bodyPr rtlCol="0" anchor="ctr"/>
+          <a:lstStyle/>
+          <a:p>
+            <a:pPr>
+              <a:buClr>
+                <a:srgbClr val="008774"/>
+              </a:buClr>
+            </a:pPr>
+            <a:r>
+              <a:rPr lang="en-US" sz="1400" dirty="0" smtClean="0">
+                <a:solidFill>
+                  <a:srgbClr val="EEECE1"/>
+                </a:solidFill>
+                <a:sym typeface="Arial"/>
+              </a:rPr>
+              <a:t>GET /metrics</a:t>
+            </a:r>
+            <a:endParaRPr lang="en-US" sz="1400" dirty="0" smtClean="0">
+              <a:solidFill>
+                <a:srgbClr val="EEECE1"/>
+              </a:solidFill>
+              <a:sym typeface="Arial"/>
+            </a:endParaRPr>
+          </a:p>
+        </p:txBody>
+      </p:sp>
+      <p:sp>
+        <p:nvSpPr>
+          <p:cNvPr id="2" name="TextBox 1"/>
+          <p:cNvSpPr txBox="1"/>
+          <p:nvPr/>
+        </p:nvSpPr>
+        <p:spPr>
+          <a:xfrm>
+            <a:off x="3657600" y="1000282"/>
+            <a:ext cx="984577" cy="369332"/>
+          </a:xfrm>
+          <a:prstGeom prst="rect">
+            <a:avLst/>
+          </a:prstGeom>
+          <a:noFill/>
+        </p:spPr>
+        <p:txBody>
+          <a:bodyPr wrap="none" rtlCol="0">
+            <a:spAutoFit/>
+          </a:bodyPr>
+          <a:lstStyle/>
+          <a:p>
+            <a:r>
+              <a:rPr lang="en-US" dirty="0" smtClean="0">
+                <a:solidFill>
+                  <a:schemeClr val="bg2"/>
+                </a:solidFill>
+              </a:rPr>
+              <a:t>App Info</a:t>
+            </a:r>
+            <a:endParaRPr lang="en-US" dirty="0">
+              <a:solidFill>
+                <a:schemeClr val="bg2"/>
+              </a:solidFill>
+            </a:endParaRPr>
+          </a:p>
+        </p:txBody>
+      </p:sp>
+    </p:spTree>
+    <p:extLst>
+      <p:ext uri="{BB962C8B-B14F-4D97-AF65-F5344CB8AC3E}">
+        <p14:creationId xmlns:p14="http://schemas.microsoft.com/office/powerpoint/2010/main" val="3385160194"/>
+      </p:ext>
+    </p:extLst>
+  </p:cSld>
+  <p:clrMapOvr>
+    <a:masterClrMapping/>
+  </p:clrMapOvr>
+  <mc:AlternateContent xmlns:mc="http://schemas.openxmlformats.org/markup-compatibility/2006" xmlns:p14="http://schemas.microsoft.com/office/powerpoint/2010/main">
+    <mc:Choice Requires="p14">
+      <p:transition p14:dur="0"/>
+    </mc:Choice>
+    <mc:Fallback xmlns="">
+      <p:transition xmlns:p14="http://schemas.microsoft.com/office/powerpoint/2010/main"/>
+    </mc:Fallback>
+  </mc:AlternateContent>
+  <p:timing>
+    <p:tnLst>
+      <p:par>
+        <p:cTn xmlns:p14="http://schemas.microsoft.com/office/powerpoint/2010/main" id="1" dur="indefinite" restart="never" nodeType="tmRoot"/>
+      </p:par>
+    </p:tnLst>
+  </p:timing>
+</p:sld>
+</file>
+
+<file path=ppt/slides/slide7.xml><?xml version="1.0" encoding="utf-8"?>
+<p:sld xmlns:a="http://schemas.openxmlformats.org/drawingml/2006/main" xmlns:r="http://schemas.openxmlformats.org/officeDocument/2006/relationships" xmlns:p="http://schemas.openxmlformats.org/presentationml/2006/main">
+  <p:cSld>
+    <p:spTree>
+      <p:nvGrpSpPr>
+        <p:cNvPr id="1" name="Shape 194"/>
+        <p:cNvGrpSpPr/>
+        <p:nvPr/>
+      </p:nvGrpSpPr>
+      <p:grpSpPr>
+        <a:xfrm>
+          <a:off x="0" y="0"/>
+          <a:ext cx="0" cy="0"/>
+          <a:chOff x="0" y="0"/>
+          <a:chExt cx="0" cy="0"/>
+        </a:xfrm>
+      </p:grpSpPr>
+      <p:sp>
+        <p:nvSpPr>
+          <p:cNvPr id="18" name="Rectangle 17"/>
+          <p:cNvSpPr/>
+          <p:nvPr/>
+        </p:nvSpPr>
+        <p:spPr>
+          <a:xfrm>
+            <a:off x="4389120" y="1557848"/>
+            <a:ext cx="4531360" cy="582541"/>
+          </a:xfrm>
+          <a:prstGeom prst="rect">
+            <a:avLst/>
+          </a:prstGeom>
+          <a:noFill/>
+          <a:ln>
+            <a:solidFill>
+              <a:srgbClr val="FFFFCC"/>
+            </a:solidFill>
+            <a:prstDash val="sysDash"/>
+          </a:ln>
+        </p:spPr>
+        <p:style>
+          <a:lnRef idx="1">
+            <a:schemeClr val="accent1"/>
+          </a:lnRef>
+          <a:fillRef idx="3">
+            <a:schemeClr val="accent1"/>
+          </a:fillRef>
+          <a:effectRef idx="2">
+            <a:schemeClr val="accent1"/>
+          </a:effectRef>
+          <a:fontRef idx="minor">
+            <a:schemeClr val="lt1"/>
+          </a:fontRef>
+        </p:style>
+        <p:txBody>
+          <a:bodyPr rtlCol="0" anchor="ctr"/>
+          <a:lstStyle/>
+          <a:p>
+            <a:pPr>
+              <a:buClr>
+                <a:srgbClr val="008774"/>
+              </a:buClr>
+            </a:pPr>
+            <a:r>
+              <a:rPr lang="en-US" sz="1400" dirty="0" smtClean="0">
+                <a:solidFill>
+                  <a:srgbClr val="EEECE1"/>
+                </a:solidFill>
+                <a:sym typeface="Arial"/>
+              </a:rPr>
+              <a:t>GET /mappings</a:t>
+            </a:r>
+            <a:endParaRPr lang="en-US" sz="1400" dirty="0" smtClean="0">
+              <a:solidFill>
+                <a:srgbClr val="EEECE1"/>
+              </a:solidFill>
+              <a:sym typeface="Arial"/>
+            </a:endParaRPr>
+          </a:p>
+        </p:txBody>
+      </p:sp>
+      <p:sp>
+        <p:nvSpPr>
+          <p:cNvPr id="195" name="Shape 195"/>
+          <p:cNvSpPr txBox="1">
+            <a:spLocks noGrp="1"/>
+          </p:cNvSpPr>
+          <p:nvPr>
+            <p:ph type="title"/>
+          </p:nvPr>
+        </p:nvSpPr>
+        <p:spPr/>
+        <p:txBody>
+          <a:bodyPr/>
+          <a:lstStyle/>
+          <a:p>
+            <a:pPr lvl="0"/>
+            <a:r>
+              <a:rPr lang="en-US" sz="3600" dirty="0" smtClean="0">
+                <a:solidFill>
+                  <a:schemeClr val="accent1"/>
+                </a:solidFill>
+                <a:sym typeface="Arial"/>
+              </a:rPr>
+              <a:t>Actuator HTTP Endpoints</a:t>
+            </a:r>
+            <a:endParaRPr lang="en-US" sz="3600" dirty="0">
+              <a:solidFill>
+                <a:schemeClr val="accent1"/>
+              </a:solidFill>
+              <a:sym typeface="Arial"/>
+            </a:endParaRPr>
+          </a:p>
+        </p:txBody>
+      </p:sp>
+      <p:sp>
+        <p:nvSpPr>
+          <p:cNvPr id="3" name="TextBox 2"/>
+          <p:cNvSpPr txBox="1"/>
+          <p:nvPr/>
+        </p:nvSpPr>
+        <p:spPr>
+          <a:xfrm>
+            <a:off x="8370455" y="4906818"/>
+            <a:ext cx="184666" cy="369332"/>
+          </a:xfrm>
+          <a:prstGeom prst="rect">
+            <a:avLst/>
+          </a:prstGeom>
+          <a:noFill/>
+        </p:spPr>
+        <p:txBody>
+          <a:bodyPr wrap="none" rtlCol="0">
+            <a:spAutoFit/>
+          </a:bodyPr>
+          <a:lstStyle/>
+          <a:p>
+            <a:endParaRPr lang="en-US" dirty="0"/>
+          </a:p>
+        </p:txBody>
+      </p:sp>
+      <p:sp>
+        <p:nvSpPr>
+          <p:cNvPr id="28" name="Shape 196"/>
+          <p:cNvSpPr txBox="1">
+            <a:spLocks noGrp="1"/>
+          </p:cNvSpPr>
+          <p:nvPr>
+            <p:ph type="body" sz="quarter" idx="4294967295"/>
+          </p:nvPr>
+        </p:nvSpPr>
+        <p:spPr>
+          <a:xfrm>
+            <a:off x="431800" y="1000282"/>
+            <a:ext cx="3957320" cy="4059397"/>
+          </a:xfrm>
+          <a:prstGeom prst="rect">
+            <a:avLst/>
+          </a:prstGeom>
+        </p:spPr>
+        <p:txBody>
+          <a:bodyPr/>
+          <a:lstStyle/>
+          <a:p>
+            <a:pPr marL="0" lvl="0" indent="0">
+              <a:buClr>
+                <a:srgbClr val="008774"/>
+              </a:buClr>
+              <a:buNone/>
+            </a:pPr>
+            <a:endParaRPr lang="en-US" sz="2800" dirty="0" smtClean="0">
+              <a:solidFill>
+                <a:srgbClr val="EEECE1"/>
+              </a:solidFill>
+              <a:sym typeface="Arial"/>
+            </a:endParaRPr>
+          </a:p>
+          <a:p>
+            <a:pPr>
+              <a:buClr>
+                <a:srgbClr val="008774"/>
+              </a:buClr>
+            </a:pPr>
+            <a:r>
+              <a:rPr lang="en-US" sz="2400" dirty="0">
+                <a:solidFill>
+                  <a:srgbClr val="EEECE1"/>
+                </a:solidFill>
+                <a:sym typeface="Arial"/>
+              </a:rPr>
+              <a:t>MVC @</a:t>
+            </a:r>
+            <a:r>
+              <a:rPr lang="en-US" sz="2400" dirty="0" err="1">
+                <a:solidFill>
+                  <a:srgbClr val="EEECE1"/>
+                </a:solidFill>
+                <a:sym typeface="Arial"/>
+              </a:rPr>
+              <a:t>RequestMapping</a:t>
+            </a:r>
+            <a:r>
+              <a:rPr lang="en-US" sz="2400" dirty="0">
+                <a:solidFill>
+                  <a:srgbClr val="EEECE1"/>
+                </a:solidFill>
+                <a:sym typeface="Arial"/>
+              </a:rPr>
+              <a:t> HTTP Endpoints:</a:t>
+            </a:r>
+          </a:p>
+          <a:p>
+            <a:pPr marL="0" indent="0">
+              <a:buClr>
+                <a:srgbClr val="008774"/>
+              </a:buClr>
+              <a:buNone/>
+            </a:pPr>
+            <a:endParaRPr lang="en-US" sz="2400" dirty="0" smtClean="0">
+              <a:solidFill>
+                <a:srgbClr val="EEECE1"/>
+              </a:solidFill>
+              <a:sym typeface="Arial"/>
+            </a:endParaRPr>
+          </a:p>
+          <a:p>
+            <a:pPr>
+              <a:buClr>
+                <a:srgbClr val="008774"/>
+              </a:buClr>
+            </a:pPr>
+            <a:r>
+              <a:rPr lang="en-US" sz="2400" dirty="0">
+                <a:solidFill>
+                  <a:srgbClr val="EEECE1"/>
+                </a:solidFill>
+                <a:sym typeface="Arial"/>
+              </a:rPr>
+              <a:t>Trace (HTTP Requests</a:t>
+            </a:r>
+            <a:r>
+              <a:rPr lang="en-US" sz="2400" dirty="0" smtClean="0">
+                <a:solidFill>
+                  <a:srgbClr val="EEECE1"/>
+                </a:solidFill>
+                <a:sym typeface="Arial"/>
+              </a:rPr>
+              <a:t>)</a:t>
+            </a:r>
+            <a:r>
+              <a:rPr lang="en-US" sz="2400" dirty="0">
+                <a:solidFill>
+                  <a:srgbClr val="EEECE1"/>
+                </a:solidFill>
+                <a:sym typeface="Arial"/>
+              </a:rPr>
+              <a:t>:</a:t>
+            </a:r>
+            <a:endParaRPr lang="en-US" sz="2400" dirty="0" smtClean="0">
+              <a:solidFill>
+                <a:srgbClr val="EEECE1"/>
+              </a:solidFill>
+              <a:sym typeface="Arial"/>
+            </a:endParaRPr>
+          </a:p>
+          <a:p>
+            <a:pPr>
+              <a:buClr>
+                <a:srgbClr val="008774"/>
+              </a:buClr>
+            </a:pPr>
+            <a:endParaRPr lang="en-US" sz="2400" dirty="0">
+              <a:solidFill>
+                <a:srgbClr val="EEECE1"/>
+              </a:solidFill>
+              <a:sym typeface="Arial"/>
+            </a:endParaRPr>
+          </a:p>
+        </p:txBody>
+      </p:sp>
+      <p:sp>
+        <p:nvSpPr>
+          <p:cNvPr id="6" name="Rectangle 5"/>
+          <p:cNvSpPr/>
+          <p:nvPr/>
+        </p:nvSpPr>
+        <p:spPr>
+          <a:xfrm>
+            <a:off x="4389120" y="2722879"/>
+            <a:ext cx="4531360" cy="582541"/>
+          </a:xfrm>
+          <a:prstGeom prst="rect">
+            <a:avLst/>
+          </a:prstGeom>
+          <a:noFill/>
+          <a:ln>
+            <a:solidFill>
+              <a:srgbClr val="FFFFCC"/>
+            </a:solidFill>
+            <a:prstDash val="sysDash"/>
+          </a:ln>
+        </p:spPr>
+        <p:style>
+          <a:lnRef idx="1">
+            <a:schemeClr val="accent1"/>
+          </a:lnRef>
+          <a:fillRef idx="3">
+            <a:schemeClr val="accent1"/>
+          </a:fillRef>
+          <a:effectRef idx="2">
+            <a:schemeClr val="accent1"/>
+          </a:effectRef>
+          <a:fontRef idx="minor">
+            <a:schemeClr val="lt1"/>
+          </a:fontRef>
+        </p:style>
+        <p:txBody>
+          <a:bodyPr rtlCol="0" anchor="ctr"/>
+          <a:lstStyle/>
+          <a:p>
+            <a:pPr>
+              <a:buClr>
+                <a:srgbClr val="008774"/>
+              </a:buClr>
+            </a:pPr>
+            <a:r>
+              <a:rPr lang="en-US" sz="1400" dirty="0" smtClean="0">
+                <a:solidFill>
+                  <a:srgbClr val="EEECE1"/>
+                </a:solidFill>
+                <a:sym typeface="Arial"/>
+              </a:rPr>
+              <a:t>GET /trace</a:t>
+            </a:r>
+            <a:endParaRPr lang="en-US" sz="1400" dirty="0" smtClean="0">
+              <a:solidFill>
+                <a:srgbClr val="EEECE1"/>
+              </a:solidFill>
+              <a:sym typeface="Arial"/>
+            </a:endParaRPr>
+          </a:p>
+        </p:txBody>
+      </p:sp>
+      <p:sp>
+        <p:nvSpPr>
+          <p:cNvPr id="2" name="TextBox 1"/>
+          <p:cNvSpPr txBox="1"/>
+          <p:nvPr/>
+        </p:nvSpPr>
+        <p:spPr>
+          <a:xfrm>
+            <a:off x="3350803" y="1000282"/>
+            <a:ext cx="2056973" cy="369332"/>
+          </a:xfrm>
+          <a:prstGeom prst="rect">
+            <a:avLst/>
+          </a:prstGeom>
+          <a:noFill/>
+        </p:spPr>
+        <p:txBody>
+          <a:bodyPr wrap="none" rtlCol="0">
+            <a:spAutoFit/>
+          </a:bodyPr>
+          <a:lstStyle/>
+          <a:p>
+            <a:r>
+              <a:rPr lang="en-US" dirty="0" smtClean="0">
+                <a:solidFill>
+                  <a:schemeClr val="bg2"/>
+                </a:solidFill>
+              </a:rPr>
+              <a:t>MVC and Web Apps</a:t>
+            </a:r>
+            <a:endParaRPr lang="en-US" dirty="0">
+              <a:solidFill>
+                <a:schemeClr val="bg2"/>
+              </a:solidFill>
+            </a:endParaRPr>
+          </a:p>
+        </p:txBody>
+      </p:sp>
+    </p:spTree>
+    <p:extLst>
+      <p:ext uri="{BB962C8B-B14F-4D97-AF65-F5344CB8AC3E}">
+        <p14:creationId xmlns:p14="http://schemas.microsoft.com/office/powerpoint/2010/main" val="3150082168"/>
+      </p:ext>
+    </p:extLst>
+  </p:cSld>
+  <p:clrMapOvr>
+    <a:masterClrMapping/>
+  </p:clrMapOvr>
+  <mc:AlternateContent xmlns:mc="http://schemas.openxmlformats.org/markup-compatibility/2006" xmlns:p14="http://schemas.microsoft.com/office/powerpoint/2010/main">
+    <mc:Choice Requires="p14">
+      <p:transition p14:dur="0"/>
+    </mc:Choice>
+    <mc:Fallback xmlns="">
+      <p:transition xmlns:p14="http://schemas.microsoft.com/office/powerpoint/2010/main"/>
+    </mc:Fallback>
+  </mc:AlternateContent>
+  <p:timing>
+    <p:tnLst>
+      <p:par>
+        <p:cTn xmlns:p14="http://schemas.microsoft.com/office/powerpoint/2010/main" id="1" dur="indefinite" restart="never" nodeType="tmRoot"/>
+      </p:par>
+    </p:tnLst>
+  </p:timing>
+</p:sld>
+</file>
+
+<file path=ppt/slides/slide8.xml><?xml version="1.0" encoding="utf-8"?>
+<p:sld xmlns:a="http://schemas.openxmlformats.org/drawingml/2006/main" xmlns:r="http://schemas.openxmlformats.org/officeDocument/2006/relationships" xmlns:p="http://schemas.openxmlformats.org/presentationml/2006/main">
+  <p:cSld>
+    <p:spTree>
+      <p:nvGrpSpPr>
+        <p:cNvPr id="1" name="Shape 194"/>
+        <p:cNvGrpSpPr/>
+        <p:nvPr/>
+      </p:nvGrpSpPr>
+      <p:grpSpPr>
+        <a:xfrm>
+          <a:off x="0" y="0"/>
+          <a:ext cx="0" cy="0"/>
+          <a:chOff x="0" y="0"/>
+          <a:chExt cx="0" cy="0"/>
+        </a:xfrm>
+      </p:grpSpPr>
+      <p:sp>
+        <p:nvSpPr>
+          <p:cNvPr id="18" name="Rectangle 17"/>
+          <p:cNvSpPr/>
+          <p:nvPr/>
+        </p:nvSpPr>
+        <p:spPr>
+          <a:xfrm>
+            <a:off x="4389120" y="1557848"/>
+            <a:ext cx="4531360" cy="582541"/>
+          </a:xfrm>
+          <a:prstGeom prst="rect">
+            <a:avLst/>
+          </a:prstGeom>
+          <a:noFill/>
+          <a:ln>
+            <a:solidFill>
+              <a:srgbClr val="FFFFCC"/>
+            </a:solidFill>
+            <a:prstDash val="sysDash"/>
+          </a:ln>
+        </p:spPr>
+        <p:style>
+          <a:lnRef idx="1">
+            <a:schemeClr val="accent1"/>
+          </a:lnRef>
+          <a:fillRef idx="3">
+            <a:schemeClr val="accent1"/>
+          </a:fillRef>
+          <a:effectRef idx="2">
+            <a:schemeClr val="accent1"/>
+          </a:effectRef>
+          <a:fontRef idx="minor">
+            <a:schemeClr val="lt1"/>
+          </a:fontRef>
+        </p:style>
+        <p:txBody>
+          <a:bodyPr rtlCol="0" anchor="ctr"/>
+          <a:lstStyle/>
+          <a:p>
+            <a:pPr>
+              <a:buClr>
+                <a:srgbClr val="008774"/>
+              </a:buClr>
+            </a:pPr>
+            <a:r>
+              <a:rPr lang="en-US" sz="1400" dirty="0" smtClean="0">
+                <a:solidFill>
+                  <a:srgbClr val="EEECE1"/>
+                </a:solidFill>
+                <a:sym typeface="Arial"/>
+              </a:rPr>
+              <a:t>POST /shutdown</a:t>
+            </a:r>
+            <a:endParaRPr lang="en-US" sz="1400" dirty="0" smtClean="0">
+              <a:solidFill>
+                <a:srgbClr val="EEECE1"/>
+              </a:solidFill>
+              <a:sym typeface="Arial"/>
+            </a:endParaRPr>
+          </a:p>
+        </p:txBody>
+      </p:sp>
+      <p:sp>
+        <p:nvSpPr>
+          <p:cNvPr id="195" name="Shape 195"/>
+          <p:cNvSpPr txBox="1">
+            <a:spLocks noGrp="1"/>
+          </p:cNvSpPr>
+          <p:nvPr>
+            <p:ph type="title"/>
+          </p:nvPr>
+        </p:nvSpPr>
+        <p:spPr/>
+        <p:txBody>
+          <a:bodyPr/>
+          <a:lstStyle/>
+          <a:p>
+            <a:pPr lvl="0"/>
+            <a:r>
+              <a:rPr lang="en-US" sz="3600" dirty="0" smtClean="0">
+                <a:solidFill>
+                  <a:schemeClr val="accent1"/>
+                </a:solidFill>
+                <a:sym typeface="Arial"/>
+              </a:rPr>
+              <a:t>Actuator HTTP Endpoints</a:t>
+            </a:r>
+            <a:endParaRPr lang="en-US" sz="3600" dirty="0">
+              <a:solidFill>
+                <a:schemeClr val="accent1"/>
+              </a:solidFill>
+              <a:sym typeface="Arial"/>
+            </a:endParaRPr>
+          </a:p>
+        </p:txBody>
+      </p:sp>
+      <p:sp>
+        <p:nvSpPr>
+          <p:cNvPr id="3" name="TextBox 2"/>
+          <p:cNvSpPr txBox="1"/>
+          <p:nvPr/>
+        </p:nvSpPr>
+        <p:spPr>
+          <a:xfrm>
+            <a:off x="8370455" y="4906818"/>
+            <a:ext cx="184666" cy="369332"/>
+          </a:xfrm>
+          <a:prstGeom prst="rect">
+            <a:avLst/>
+          </a:prstGeom>
+          <a:noFill/>
+        </p:spPr>
+        <p:txBody>
+          <a:bodyPr wrap="none" rtlCol="0">
+            <a:spAutoFit/>
+          </a:bodyPr>
+          <a:lstStyle/>
+          <a:p>
+            <a:endParaRPr lang="en-US" dirty="0"/>
+          </a:p>
+        </p:txBody>
+      </p:sp>
+      <p:sp>
+        <p:nvSpPr>
+          <p:cNvPr id="28" name="Shape 196"/>
+          <p:cNvSpPr txBox="1">
+            <a:spLocks noGrp="1"/>
+          </p:cNvSpPr>
+          <p:nvPr>
+            <p:ph type="body" sz="quarter" idx="4294967295"/>
+          </p:nvPr>
+        </p:nvSpPr>
+        <p:spPr>
+          <a:xfrm>
+            <a:off x="431800" y="1000282"/>
+            <a:ext cx="3957320" cy="4059397"/>
+          </a:xfrm>
+          <a:prstGeom prst="rect">
+            <a:avLst/>
+          </a:prstGeom>
+        </p:spPr>
+        <p:txBody>
+          <a:bodyPr/>
+          <a:lstStyle/>
+          <a:p>
+            <a:pPr marL="0" lvl="0" indent="0">
+              <a:buClr>
+                <a:srgbClr val="008774"/>
+              </a:buClr>
+              <a:buNone/>
+            </a:pPr>
+            <a:endParaRPr lang="en-US" sz="2800" dirty="0" smtClean="0">
+              <a:solidFill>
+                <a:srgbClr val="EEECE1"/>
+              </a:solidFill>
+              <a:sym typeface="Arial"/>
+            </a:endParaRPr>
+          </a:p>
+          <a:p>
+            <a:pPr>
+              <a:buClr>
+                <a:srgbClr val="008774"/>
+              </a:buClr>
+            </a:pPr>
+            <a:r>
+              <a:rPr lang="en-US" sz="2400" dirty="0" smtClean="0">
+                <a:solidFill>
+                  <a:srgbClr val="EEECE1"/>
+                </a:solidFill>
+                <a:sym typeface="Arial"/>
+              </a:rPr>
+              <a:t>Gracefully Shutdown</a:t>
+            </a:r>
+            <a:endParaRPr lang="en-US" sz="2400" dirty="0">
+              <a:solidFill>
+                <a:srgbClr val="EEECE1"/>
+              </a:solidFill>
+              <a:sym typeface="Arial"/>
+            </a:endParaRPr>
+          </a:p>
+          <a:p>
+            <a:pPr marL="0" indent="0">
+              <a:buClr>
+                <a:srgbClr val="008774"/>
+              </a:buClr>
+              <a:buNone/>
+            </a:pPr>
+            <a:endParaRPr lang="en-US" sz="2400" dirty="0" smtClean="0">
+              <a:solidFill>
+                <a:srgbClr val="EEECE1"/>
+              </a:solidFill>
+              <a:sym typeface="Arial"/>
+            </a:endParaRPr>
+          </a:p>
+          <a:p>
+            <a:pPr>
+              <a:buClr>
+                <a:srgbClr val="008774"/>
+              </a:buClr>
+            </a:pPr>
+            <a:r>
+              <a:rPr lang="en-US" sz="2400" dirty="0">
+                <a:solidFill>
+                  <a:srgbClr val="EEECE1"/>
+                </a:solidFill>
+                <a:sym typeface="Arial"/>
+              </a:rPr>
+              <a:t>Database migrations:</a:t>
+            </a:r>
+          </a:p>
+          <a:p>
+            <a:pPr>
+              <a:buClr>
+                <a:srgbClr val="008774"/>
+              </a:buClr>
+            </a:pPr>
+            <a:endParaRPr lang="en-US" sz="2400" dirty="0">
+              <a:solidFill>
+                <a:srgbClr val="EEECE1"/>
+              </a:solidFill>
+              <a:sym typeface="Arial"/>
+            </a:endParaRPr>
+          </a:p>
+        </p:txBody>
+      </p:sp>
+      <p:sp>
+        <p:nvSpPr>
+          <p:cNvPr id="6" name="Rectangle 5"/>
+          <p:cNvSpPr/>
+          <p:nvPr/>
+        </p:nvSpPr>
+        <p:spPr>
+          <a:xfrm>
+            <a:off x="4389120" y="2431608"/>
+            <a:ext cx="4531360" cy="582541"/>
+          </a:xfrm>
+          <a:prstGeom prst="rect">
+            <a:avLst/>
+          </a:prstGeom>
+          <a:noFill/>
+          <a:ln>
+            <a:solidFill>
+              <a:srgbClr val="FFFFCC"/>
+            </a:solidFill>
+            <a:prstDash val="sysDash"/>
+          </a:ln>
+        </p:spPr>
+        <p:style>
+          <a:lnRef idx="1">
+            <a:schemeClr val="accent1"/>
+          </a:lnRef>
+          <a:fillRef idx="3">
+            <a:schemeClr val="accent1"/>
+          </a:fillRef>
+          <a:effectRef idx="2">
+            <a:schemeClr val="accent1"/>
+          </a:effectRef>
+          <a:fontRef idx="minor">
+            <a:schemeClr val="lt1"/>
+          </a:fontRef>
+        </p:style>
+        <p:txBody>
+          <a:bodyPr rtlCol="0" anchor="ctr"/>
+          <a:lstStyle/>
+          <a:p>
+            <a:pPr>
+              <a:buClr>
+                <a:srgbClr val="008774"/>
+              </a:buClr>
+            </a:pPr>
+            <a:r>
+              <a:rPr lang="en-US" sz="1400" dirty="0" smtClean="0">
+                <a:solidFill>
+                  <a:srgbClr val="EEECE1"/>
+                </a:solidFill>
+                <a:sym typeface="Arial"/>
+              </a:rPr>
+              <a:t>GET /flyway</a:t>
+            </a:r>
+          </a:p>
+          <a:p>
+            <a:pPr>
+              <a:buClr>
+                <a:srgbClr val="008774"/>
+              </a:buClr>
+            </a:pPr>
+            <a:r>
+              <a:rPr lang="en-US" sz="1400" dirty="0" smtClean="0">
+                <a:solidFill>
+                  <a:srgbClr val="EEECE1"/>
+                </a:solidFill>
+                <a:sym typeface="Arial"/>
+              </a:rPr>
+              <a:t>GET /</a:t>
+            </a:r>
+            <a:r>
+              <a:rPr lang="en-US" sz="1400" dirty="0" err="1" smtClean="0">
+                <a:solidFill>
+                  <a:srgbClr val="EEECE1"/>
+                </a:solidFill>
+                <a:sym typeface="Arial"/>
+              </a:rPr>
+              <a:t>liquibase</a:t>
+            </a:r>
+            <a:endParaRPr lang="en-US" sz="1400" dirty="0" smtClean="0">
+              <a:solidFill>
+                <a:srgbClr val="EEECE1"/>
+              </a:solidFill>
+              <a:sym typeface="Arial"/>
+            </a:endParaRPr>
+          </a:p>
+        </p:txBody>
+      </p:sp>
+      <p:sp>
+        <p:nvSpPr>
+          <p:cNvPr id="2" name="TextBox 1"/>
+          <p:cNvSpPr txBox="1"/>
+          <p:nvPr/>
+        </p:nvSpPr>
+        <p:spPr>
+          <a:xfrm>
+            <a:off x="3868963" y="1000282"/>
+            <a:ext cx="731428" cy="369332"/>
+          </a:xfrm>
+          <a:prstGeom prst="rect">
+            <a:avLst/>
+          </a:prstGeom>
+          <a:noFill/>
+        </p:spPr>
+        <p:txBody>
+          <a:bodyPr wrap="none" rtlCol="0">
+            <a:spAutoFit/>
+          </a:bodyPr>
+          <a:lstStyle/>
+          <a:p>
+            <a:r>
+              <a:rPr lang="en-US" dirty="0" smtClean="0">
+                <a:solidFill>
+                  <a:schemeClr val="bg2"/>
+                </a:solidFill>
+              </a:rPr>
+              <a:t>Other</a:t>
+            </a:r>
+            <a:endParaRPr lang="en-US" dirty="0">
+              <a:solidFill>
+                <a:schemeClr val="bg2"/>
+              </a:solidFill>
+            </a:endParaRPr>
+          </a:p>
+        </p:txBody>
+      </p:sp>
+    </p:spTree>
+    <p:extLst>
+      <p:ext uri="{BB962C8B-B14F-4D97-AF65-F5344CB8AC3E}">
+        <p14:creationId xmlns:p14="http://schemas.microsoft.com/office/powerpoint/2010/main" val="444838938"/>
+      </p:ext>
+    </p:extLst>
+  </p:cSld>
+  <p:clrMapOvr>
+    <a:masterClrMapping/>
+  </p:clrMapOvr>
+  <mc:AlternateContent xmlns:mc="http://schemas.openxmlformats.org/markup-compatibility/2006" xmlns:p14="http://schemas.microsoft.com/office/powerpoint/2010/main">
+    <mc:Choice Requires="p14">
+      <p:transition p14:dur="0"/>
+    </mc:Choice>
+    <mc:Fallback xmlns="">
+      <p:transition xmlns:p14="http://schemas.microsoft.com/office/powerpoint/2010/main"/>
+    </mc:Fallback>
+  </mc:AlternateContent>
   <p:timing>
     <p:tnLst>
       <p:par>

--- a/presentations/Session_4_Advanced_Boot.pptx
+++ b/presentations/Session_4_Advanced_Boot.pptx
@@ -263,7 +263,7 @@
           <a:p>
             <a:fld id="{372E5B6B-8713-8747-AE5B-F1241B2BF5F0}" type="datetimeFigureOut">
               <a:rPr lang="en-US" smtClean="0"/>
-              <a:t>3/3/16</a:t>
+              <a:t>4/14/16</a:t>
             </a:fld>
             <a:endParaRPr lang="en-US"/>
           </a:p>
@@ -429,7 +429,7 @@
           <a:p>
             <a:fld id="{7E7B7340-DDD5-1B49-81AA-25BC4050C073}" type="datetimeFigureOut">
               <a:rPr lang="en-US" smtClean="0"/>
-              <a:t>3/3/16</a:t>
+              <a:t>4/14/16</a:t>
             </a:fld>
             <a:endParaRPr lang="en-US"/>
           </a:p>
@@ -10098,26 +10098,35 @@
       </p:sp>
       <p:pic>
         <p:nvPicPr>
-          <p:cNvPr id="7" name="Picture 6"/>
+          <p:cNvPr id="9" name="Picture 8" descr="1280px-Boeing-Logo.svg.png"/>
           <p:cNvPicPr>
             <a:picLocks noChangeAspect="1"/>
           </p:cNvPicPr>
           <p:nvPr/>
         </p:nvPicPr>
         <p:blipFill>
-          <a:blip r:embed="rId5"/>
+          <a:blip r:embed="rId5">
+            <a:extLst>
+              <a:ext uri="{28A0092B-C50C-407E-A947-70E740481C1C}">
+                <a14:useLocalDpi xmlns:a14="http://schemas.microsoft.com/office/drawing/2010/main" val="0"/>
+              </a:ext>
+            </a:extLst>
+          </a:blip>
           <a:stretch>
             <a:fillRect/>
           </a:stretch>
         </p:blipFill>
         <p:spPr>
           <a:xfrm>
-            <a:off x="8196204" y="1558"/>
-            <a:ext cx="947796" cy="947796"/>
+            <a:off x="7826822" y="162560"/>
+            <a:ext cx="1053018" cy="660400"/>
           </a:xfrm>
           <a:prstGeom prst="rect">
             <a:avLst/>
           </a:prstGeom>
+          <a:solidFill>
+            <a:schemeClr val="bg1"/>
+          </a:solidFill>
         </p:spPr>
       </p:pic>
     </p:spTree>
@@ -10807,12 +10816,6 @@
               </a:rPr>
               <a:t>Profiles</a:t>
             </a:r>
-            <a:endParaRPr lang="en-US" sz="2800" dirty="0" smtClean="0">
-              <a:solidFill>
-                <a:srgbClr val="EEECE1"/>
-              </a:solidFill>
-              <a:sym typeface="Arial"/>
-            </a:endParaRPr>
           </a:p>
         </p:txBody>
       </p:sp>
@@ -14648,12 +14651,6 @@
               </a:rPr>
               <a:t>Profiles</a:t>
             </a:r>
-            <a:endParaRPr lang="en-US" sz="2800" dirty="0" smtClean="0">
-              <a:solidFill>
-                <a:srgbClr val="EEECE1"/>
-              </a:solidFill>
-              <a:sym typeface="Arial"/>
-            </a:endParaRPr>
           </a:p>
         </p:txBody>
       </p:sp>
@@ -16411,12 +16408,6 @@
               </a:rPr>
               <a:t>Profiles</a:t>
             </a:r>
-            <a:endParaRPr lang="en-US" sz="2800" dirty="0" smtClean="0">
-              <a:solidFill>
-                <a:srgbClr val="EEECE1"/>
-              </a:solidFill>
-              <a:sym typeface="Arial"/>
-            </a:endParaRPr>
           </a:p>
         </p:txBody>
       </p:sp>
@@ -16640,12 +16631,6 @@
               </a:rPr>
               <a:t>Profiles</a:t>
             </a:r>
-            <a:endParaRPr lang="en-US" sz="2800" dirty="0" smtClean="0">
-              <a:solidFill>
-                <a:srgbClr val="EEECE1"/>
-              </a:solidFill>
-              <a:sym typeface="Arial"/>
-            </a:endParaRPr>
           </a:p>
         </p:txBody>
       </p:sp>
@@ -17293,12 +17278,6 @@
               </a:rPr>
               <a:t>Built-in Metrics</a:t>
             </a:r>
-            <a:endParaRPr lang="en-US" sz="3600" dirty="0">
-              <a:solidFill>
-                <a:schemeClr val="accent1"/>
-              </a:solidFill>
-              <a:sym typeface="Arial"/>
-            </a:endParaRPr>
           </a:p>
         </p:txBody>
       </p:sp>
@@ -17939,12 +17918,6 @@
               </a:rPr>
               <a:t>Built-in Metrics</a:t>
             </a:r>
-            <a:endParaRPr lang="en-US" sz="3600" dirty="0">
-              <a:solidFill>
-                <a:schemeClr val="accent1"/>
-              </a:solidFill>
-              <a:sym typeface="Arial"/>
-            </a:endParaRPr>
           </a:p>
         </p:txBody>
       </p:sp>
@@ -21199,23 +21172,24 @@
                 </a:solidFill>
                 <a:sym typeface="Arial"/>
               </a:rPr>
-              <a:t>Getting Started &amp; </a:t>
-            </a:r>
+              <a:t>Getting Started &amp; Endpoints</a:t>
+            </a:r>
+          </a:p>
+          <a:p>
+            <a:pPr>
+              <a:buClr>
+                <a:srgbClr val="008774"/>
+              </a:buClr>
+            </a:pPr>
             <a:r>
               <a:rPr lang="en-US" sz="2800" dirty="0" smtClean="0">
                 <a:solidFill>
-                  <a:srgbClr val="EEECE1"/>
-                </a:solidFill>
-                <a:sym typeface="Arial"/>
-              </a:rPr>
-              <a:t>Endpoints</a:t>
-            </a:r>
-            <a:endParaRPr lang="en-US" sz="2800" dirty="0" smtClean="0">
-              <a:solidFill>
-                <a:srgbClr val="EEECE1"/>
-              </a:solidFill>
-              <a:sym typeface="Arial"/>
-            </a:endParaRPr>
+                  <a:schemeClr val="bg2"/>
+                </a:solidFill>
+                <a:sym typeface="Arial"/>
+              </a:rPr>
+              <a:t>Health Indicators</a:t>
+            </a:r>
           </a:p>
           <a:p>
             <a:pPr>
@@ -21226,20 +21200,27 @@
             <a:r>
               <a:rPr lang="en-US" sz="2800" dirty="0" smtClean="0">
                 <a:solidFill>
+                  <a:srgbClr val="EEECE1"/>
+                </a:solidFill>
+                <a:sym typeface="Arial"/>
+              </a:rPr>
+              <a:t>HTTP Access</a:t>
+            </a:r>
+          </a:p>
+          <a:p>
+            <a:pPr>
+              <a:buClr>
+                <a:srgbClr val="008774"/>
+              </a:buClr>
+            </a:pPr>
+            <a:r>
+              <a:rPr lang="en-US" sz="2800" dirty="0" smtClean="0">
+                <a:solidFill>
                   <a:schemeClr val="bg2"/>
                 </a:solidFill>
                 <a:sym typeface="Arial"/>
               </a:rPr>
-              <a:t>Health </a:t>
-            </a:r>
-            <a:r>
-              <a:rPr lang="en-US" sz="2800" dirty="0" smtClean="0">
-                <a:solidFill>
-                  <a:schemeClr val="bg2"/>
-                </a:solidFill>
-                <a:sym typeface="Arial"/>
-              </a:rPr>
-              <a:t>Indicators</a:t>
+              <a:t>Metrics</a:t>
             </a:r>
           </a:p>
           <a:p>
@@ -21249,38 +21230,6 @@
               </a:buClr>
             </a:pPr>
             <a:r>
-              <a:rPr lang="en-US" sz="2800" dirty="0" smtClean="0">
-                <a:solidFill>
-                  <a:srgbClr val="EEECE1"/>
-                </a:solidFill>
-                <a:sym typeface="Arial"/>
-              </a:rPr>
-              <a:t>HTTP Access</a:t>
-            </a:r>
-          </a:p>
-          <a:p>
-            <a:pPr>
-              <a:buClr>
-                <a:srgbClr val="008774"/>
-              </a:buClr>
-            </a:pPr>
-            <a:r>
-              <a:rPr lang="en-US" sz="2800" dirty="0" smtClean="0">
-                <a:solidFill>
-                  <a:schemeClr val="bg2"/>
-                </a:solidFill>
-                <a:sym typeface="Arial"/>
-              </a:rPr>
-              <a:t>Metrics</a:t>
-            </a:r>
-          </a:p>
-          <a:p>
-            <a:pPr>
-              <a:buClr>
-                <a:srgbClr val="008774"/>
-              </a:buClr>
-            </a:pPr>
-            <a:r>
               <a:rPr lang="en-US" sz="2800" b="1" dirty="0" smtClean="0">
                 <a:solidFill>
                   <a:schemeClr val="accent6"/>
@@ -21289,12 +21238,6 @@
               </a:rPr>
               <a:t>Profiles</a:t>
             </a:r>
-            <a:endParaRPr lang="en-US" sz="2800" b="1" dirty="0" smtClean="0">
-              <a:solidFill>
-                <a:schemeClr val="accent6"/>
-              </a:solidFill>
-              <a:sym typeface="Arial"/>
-            </a:endParaRPr>
           </a:p>
         </p:txBody>
       </p:sp>
@@ -21857,11 +21800,6 @@
               </a:rPr>
               <a:t>No profile activated </a:t>
             </a:r>
-            <a:endParaRPr lang="en-US" dirty="0">
-              <a:solidFill>
-                <a:srgbClr val="000000"/>
-              </a:solidFill>
-            </a:endParaRPr>
           </a:p>
         </p:txBody>
       </p:sp>
@@ -21955,11 +21893,6 @@
               </a:rPr>
               <a:t>“development” profile </a:t>
             </a:r>
-            <a:endParaRPr lang="en-US" dirty="0">
-              <a:solidFill>
-                <a:srgbClr val="000000"/>
-              </a:solidFill>
-            </a:endParaRPr>
           </a:p>
         </p:txBody>
       </p:sp>
@@ -22053,11 +21986,6 @@
               </a:rPr>
               <a:t>“production” profile </a:t>
             </a:r>
-            <a:endParaRPr lang="en-US" dirty="0">
-              <a:solidFill>
-                <a:srgbClr val="000000"/>
-              </a:solidFill>
-            </a:endParaRPr>
           </a:p>
         </p:txBody>
       </p:sp>
@@ -22418,23 +22346,8 @@
                 </a:solidFill>
                 <a:sym typeface="Arial"/>
               </a:rPr>
-              <a:t>Monitor Application Status &amp; </a:t>
-            </a:r>
-            <a:r>
-              <a:rPr lang="en-US" sz="2000" dirty="0" smtClean="0">
-                <a:solidFill>
-                  <a:schemeClr val="bg2"/>
-                </a:solidFill>
-                <a:sym typeface="Arial"/>
-              </a:rPr>
-              <a:t>Behavior</a:t>
-            </a:r>
-            <a:endParaRPr lang="en-US" sz="2000" dirty="0" smtClean="0">
-              <a:solidFill>
-                <a:schemeClr val="bg2"/>
-              </a:solidFill>
-              <a:sym typeface="Arial"/>
-            </a:endParaRPr>
+              <a:t>Monitor Application Status &amp; Behavior</a:t>
+            </a:r>
           </a:p>
           <a:p>
             <a:pPr lvl="1">
@@ -23475,12 +23388,6 @@
               </a:rPr>
               <a:t>GET /beans</a:t>
             </a:r>
-            <a:endParaRPr lang="en-US" sz="1400" dirty="0" smtClean="0">
-              <a:solidFill>
-                <a:srgbClr val="EEECE1"/>
-              </a:solidFill>
-              <a:sym typeface="Arial"/>
-            </a:endParaRPr>
           </a:p>
         </p:txBody>
       </p:sp>
@@ -23765,12 +23672,6 @@
               </a:rPr>
               <a:t>GET /health</a:t>
             </a:r>
-            <a:endParaRPr lang="en-US" sz="1400" dirty="0" smtClean="0">
-              <a:solidFill>
-                <a:srgbClr val="EEECE1"/>
-              </a:solidFill>
-              <a:sym typeface="Arial"/>
-            </a:endParaRPr>
           </a:p>
         </p:txBody>
       </p:sp>
@@ -24025,12 +23926,6 @@
               </a:rPr>
               <a:t>Metrics</a:t>
             </a:r>
-            <a:endParaRPr lang="en-US" sz="2400" dirty="0" smtClean="0">
-              <a:solidFill>
-                <a:srgbClr val="EEECE1"/>
-              </a:solidFill>
-              <a:sym typeface="Arial"/>
-            </a:endParaRPr>
           </a:p>
           <a:p>
             <a:pPr>
@@ -24101,12 +23996,6 @@
               </a:rPr>
               <a:t>GET /info</a:t>
             </a:r>
-            <a:endParaRPr lang="en-US" sz="1400" dirty="0" smtClean="0">
-              <a:solidFill>
-                <a:srgbClr val="EEECE1"/>
-              </a:solidFill>
-              <a:sym typeface="Arial"/>
-            </a:endParaRPr>
           </a:p>
         </p:txBody>
       </p:sp>
@@ -24182,12 +24071,6 @@
               </a:rPr>
               <a:t>  </a:t>
             </a:r>
-            <a:endParaRPr lang="en-US" sz="1400" dirty="0" smtClean="0">
-              <a:solidFill>
-                <a:srgbClr val="EEECE1"/>
-              </a:solidFill>
-              <a:sym typeface="Arial"/>
-            </a:endParaRPr>
           </a:p>
         </p:txBody>
       </p:sp>
@@ -24245,12 +24128,6 @@
               </a:rPr>
               <a:t>GET /metrics</a:t>
             </a:r>
-            <a:endParaRPr lang="en-US" sz="1400" dirty="0" smtClean="0">
-              <a:solidFill>
-                <a:srgbClr val="EEECE1"/>
-              </a:solidFill>
-              <a:sym typeface="Arial"/>
-            </a:endParaRPr>
           </a:p>
         </p:txBody>
       </p:sp>
@@ -24391,12 +24268,6 @@
               </a:rPr>
               <a:t>GET /mappings</a:t>
             </a:r>
-            <a:endParaRPr lang="en-US" sz="1400" dirty="0" smtClean="0">
-              <a:solidFill>
-                <a:srgbClr val="EEECE1"/>
-              </a:solidFill>
-              <a:sym typeface="Arial"/>
-            </a:endParaRPr>
           </a:p>
         </p:txBody>
       </p:sp>
@@ -24653,12 +24524,6 @@
               </a:rPr>
               <a:t>GET /trace</a:t>
             </a:r>
-            <a:endParaRPr lang="en-US" sz="1400" dirty="0" smtClean="0">
-              <a:solidFill>
-                <a:srgbClr val="EEECE1"/>
-              </a:solidFill>
-              <a:sym typeface="Arial"/>
-            </a:endParaRPr>
           </a:p>
         </p:txBody>
       </p:sp>
@@ -24799,12 +24664,6 @@
               </a:rPr>
               <a:t>POST /shutdown</a:t>
             </a:r>
-            <a:endParaRPr lang="en-US" sz="1400" dirty="0" smtClean="0">
-              <a:solidFill>
-                <a:srgbClr val="EEECE1"/>
-              </a:solidFill>
-              <a:sym typeface="Arial"/>
-            </a:endParaRPr>
           </a:p>
         </p:txBody>
       </p:sp>
